--- a/documents/Presentation.pptx
+++ b/documents/Presentation.pptx
@@ -5,7 +5,7 @@
     <p:sldMasterId id="2147483648" r:id="rId1"/>
   </p:sldMasterIdLst>
   <p:notesMasterIdLst>
-    <p:notesMasterId r:id="rId61"/>
+    <p:notesMasterId r:id="rId64"/>
   </p:notesMasterIdLst>
   <p:sldIdLst>
     <p:sldId id="256" r:id="rId2"/>
@@ -43,30 +43,33 @@
     <p:sldId id="321" r:id="rId34"/>
     <p:sldId id="322" r:id="rId35"/>
     <p:sldId id="283" r:id="rId36"/>
-    <p:sldId id="284" r:id="rId37"/>
-    <p:sldId id="285" r:id="rId38"/>
-    <p:sldId id="286" r:id="rId39"/>
-    <p:sldId id="287" r:id="rId40"/>
-    <p:sldId id="288" r:id="rId41"/>
-    <p:sldId id="289" r:id="rId42"/>
-    <p:sldId id="290" r:id="rId43"/>
-    <p:sldId id="291" r:id="rId44"/>
-    <p:sldId id="292" r:id="rId45"/>
-    <p:sldId id="293" r:id="rId46"/>
-    <p:sldId id="294" r:id="rId47"/>
-    <p:sldId id="295" r:id="rId48"/>
-    <p:sldId id="296" r:id="rId49"/>
-    <p:sldId id="297" r:id="rId50"/>
-    <p:sldId id="298" r:id="rId51"/>
-    <p:sldId id="263" r:id="rId52"/>
-    <p:sldId id="264" r:id="rId53"/>
-    <p:sldId id="267" r:id="rId54"/>
-    <p:sldId id="268" r:id="rId55"/>
-    <p:sldId id="269" r:id="rId56"/>
-    <p:sldId id="270" r:id="rId57"/>
-    <p:sldId id="271" r:id="rId58"/>
-    <p:sldId id="272" r:id="rId59"/>
-    <p:sldId id="273" r:id="rId60"/>
+    <p:sldId id="323" r:id="rId37"/>
+    <p:sldId id="324" r:id="rId38"/>
+    <p:sldId id="325" r:id="rId39"/>
+    <p:sldId id="284" r:id="rId40"/>
+    <p:sldId id="285" r:id="rId41"/>
+    <p:sldId id="286" r:id="rId42"/>
+    <p:sldId id="287" r:id="rId43"/>
+    <p:sldId id="288" r:id="rId44"/>
+    <p:sldId id="289" r:id="rId45"/>
+    <p:sldId id="290" r:id="rId46"/>
+    <p:sldId id="291" r:id="rId47"/>
+    <p:sldId id="292" r:id="rId48"/>
+    <p:sldId id="293" r:id="rId49"/>
+    <p:sldId id="294" r:id="rId50"/>
+    <p:sldId id="295" r:id="rId51"/>
+    <p:sldId id="296" r:id="rId52"/>
+    <p:sldId id="297" r:id="rId53"/>
+    <p:sldId id="298" r:id="rId54"/>
+    <p:sldId id="263" r:id="rId55"/>
+    <p:sldId id="264" r:id="rId56"/>
+    <p:sldId id="267" r:id="rId57"/>
+    <p:sldId id="268" r:id="rId58"/>
+    <p:sldId id="269" r:id="rId59"/>
+    <p:sldId id="270" r:id="rId60"/>
+    <p:sldId id="271" r:id="rId61"/>
+    <p:sldId id="272" r:id="rId62"/>
+    <p:sldId id="273" r:id="rId63"/>
   </p:sldIdLst>
   <p:sldSz cx="12192000" cy="6858000"/>
   <p:notesSz cx="6858000" cy="9144000"/>
@@ -205,6 +208,9 @@
             <p14:sldId id="321"/>
             <p14:sldId id="322"/>
             <p14:sldId id="283"/>
+            <p14:sldId id="323"/>
+            <p14:sldId id="324"/>
+            <p14:sldId id="325"/>
             <p14:sldId id="284"/>
             <p14:sldId id="285"/>
             <p14:sldId id="286"/>
@@ -322,7 +328,7 @@
           <a:p>
             <a:fld id="{31868129-A059-084A-81AC-1C2D421669D6}" type="datetimeFigureOut">
               <a:rPr lang="en-US" smtClean="0"/>
-              <a:t>4/29/17</a:t>
+              <a:t>4/30/2017</a:t>
             </a:fld>
             <a:endParaRPr lang="en-US"/>
           </a:p>
@@ -843,7 +849,7 @@
           <a:p>
             <a:fld id="{38B8B00D-0D5C-9F47-A927-FE449AEE3FE3}" type="slidenum">
               <a:rPr lang="en-US" smtClean="0"/>
-              <a:t>36</a:t>
+              <a:t>38</a:t>
             </a:fld>
             <a:endParaRPr lang="en-US"/>
           </a:p>
@@ -852,7 +858,7 @@
     </p:spTree>
     <p:extLst>
       <p:ext uri="{BB962C8B-B14F-4D97-AF65-F5344CB8AC3E}">
-        <p14:creationId xmlns:p14="http://schemas.microsoft.com/office/powerpoint/2010/main" val="1758193405"/>
+        <p14:creationId xmlns:p14="http://schemas.microsoft.com/office/powerpoint/2010/main" val="579625557"/>
       </p:ext>
     </p:extLst>
   </p:cSld>
@@ -927,7 +933,7 @@
           <a:p>
             <a:fld id="{38B8B00D-0D5C-9F47-A927-FE449AEE3FE3}" type="slidenum">
               <a:rPr lang="en-US" smtClean="0"/>
-              <a:t>51</a:t>
+              <a:t>39</a:t>
             </a:fld>
             <a:endParaRPr lang="en-US"/>
           </a:p>
@@ -936,7 +942,7 @@
     </p:spTree>
     <p:extLst>
       <p:ext uri="{BB962C8B-B14F-4D97-AF65-F5344CB8AC3E}">
-        <p14:creationId xmlns:p14="http://schemas.microsoft.com/office/powerpoint/2010/main" val="1245467173"/>
+        <p14:creationId xmlns:p14="http://schemas.microsoft.com/office/powerpoint/2010/main" val="1758193405"/>
       </p:ext>
     </p:extLst>
   </p:cSld>
@@ -990,6 +996,90 @@
           <a:bodyPr/>
           <a:lstStyle/>
           <a:p>
+            <a:endParaRPr lang="en-US" dirty="0"/>
+          </a:p>
+        </p:txBody>
+      </p:sp>
+      <p:sp>
+        <p:nvSpPr>
+          <p:cNvPr id="4" name="Slide Number Placeholder 3"/>
+          <p:cNvSpPr>
+            <a:spLocks noGrp="1"/>
+          </p:cNvSpPr>
+          <p:nvPr>
+            <p:ph type="sldNum" sz="quarter" idx="10"/>
+          </p:nvPr>
+        </p:nvSpPr>
+        <p:spPr/>
+        <p:txBody>
+          <a:bodyPr/>
+          <a:lstStyle/>
+          <a:p>
+            <a:fld id="{38B8B00D-0D5C-9F47-A927-FE449AEE3FE3}" type="slidenum">
+              <a:rPr lang="en-US" smtClean="0"/>
+              <a:t>54</a:t>
+            </a:fld>
+            <a:endParaRPr lang="en-US"/>
+          </a:p>
+        </p:txBody>
+      </p:sp>
+    </p:spTree>
+    <p:extLst>
+      <p:ext uri="{BB962C8B-B14F-4D97-AF65-F5344CB8AC3E}">
+        <p14:creationId xmlns:p14="http://schemas.microsoft.com/office/powerpoint/2010/main" val="1245467173"/>
+      </p:ext>
+    </p:extLst>
+  </p:cSld>
+  <p:clrMapOvr>
+    <a:masterClrMapping/>
+  </p:clrMapOvr>
+</p:notes>
+</file>
+
+<file path=ppt/notesSlides/notesSlide13.xml><?xml version="1.0" encoding="utf-8"?>
+<p:notes xmlns:a="http://schemas.openxmlformats.org/drawingml/2006/main" xmlns:r="http://schemas.openxmlformats.org/officeDocument/2006/relationships" xmlns:p="http://schemas.openxmlformats.org/presentationml/2006/main">
+  <p:cSld>
+    <p:spTree>
+      <p:nvGrpSpPr>
+        <p:cNvPr id="1" name=""/>
+        <p:cNvGrpSpPr/>
+        <p:nvPr/>
+      </p:nvGrpSpPr>
+      <p:grpSpPr>
+        <a:xfrm>
+          <a:off x="0" y="0"/>
+          <a:ext cx="0" cy="0"/>
+          <a:chOff x="0" y="0"/>
+          <a:chExt cx="0" cy="0"/>
+        </a:xfrm>
+      </p:grpSpPr>
+      <p:sp>
+        <p:nvSpPr>
+          <p:cNvPr id="2" name="Slide Image Placeholder 1"/>
+          <p:cNvSpPr>
+            <a:spLocks noGrp="1" noRot="1" noChangeAspect="1"/>
+          </p:cNvSpPr>
+          <p:nvPr>
+            <p:ph type="sldImg"/>
+          </p:nvPr>
+        </p:nvSpPr>
+        <p:spPr/>
+      </p:sp>
+      <p:sp>
+        <p:nvSpPr>
+          <p:cNvPr id="3" name="Notes Placeholder 2"/>
+          <p:cNvSpPr>
+            <a:spLocks noGrp="1"/>
+          </p:cNvSpPr>
+          <p:nvPr>
+            <p:ph type="body" idx="1"/>
+          </p:nvPr>
+        </p:nvSpPr>
+        <p:spPr/>
+        <p:txBody>
+          <a:bodyPr/>
+          <a:lstStyle/>
+          <a:p>
             <a:endParaRPr lang="en-US" sz="1200" kern="1200" dirty="0">
               <a:solidFill>
                 <a:schemeClr val="tx1"/>
@@ -1019,7 +1109,7 @@
           <a:p>
             <a:fld id="{38B8B00D-0D5C-9F47-A927-FE449AEE3FE3}" type="slidenum">
               <a:rPr lang="en-US" smtClean="0"/>
-              <a:t>52</a:t>
+              <a:t>55</a:t>
             </a:fld>
             <a:endParaRPr lang="en-US"/>
           </a:p>
@@ -2073,7 +2163,7 @@
           <a:p>
             <a:fld id="{4BDF68E2-58F2-4D09-BE8B-E3BD06533059}" type="datetimeFigureOut">
               <a:rPr lang="en-US" dirty="0"/>
-              <a:t>4/29/17</a:t>
+              <a:t>4/30/2017</a:t>
             </a:fld>
             <a:endParaRPr lang="en-US" dirty="0"/>
           </a:p>
@@ -2276,7 +2366,7 @@
           <a:p>
             <a:fld id="{2E2D6473-DF6D-4702-B328-E0DD40540A4E}" type="datetimeFigureOut">
               <a:rPr lang="en-US" dirty="0"/>
-              <a:t>4/29/17</a:t>
+              <a:t>4/30/2017</a:t>
             </a:fld>
             <a:endParaRPr lang="en-US" dirty="0"/>
           </a:p>
@@ -2527,7 +2617,7 @@
           <a:p>
             <a:fld id="{E26F7E3A-B166-407D-9866-32884E7D5B37}" type="datetimeFigureOut">
               <a:rPr lang="en-US" dirty="0"/>
-              <a:t>4/29/17</a:t>
+              <a:t>4/30/2017</a:t>
             </a:fld>
             <a:endParaRPr lang="en-US" dirty="0"/>
           </a:p>
@@ -2696,7 +2786,7 @@
           <a:p>
             <a:fld id="{528FC5F6-F338-4AE4-BB23-26385BCFC423}" type="datetimeFigureOut">
               <a:rPr lang="en-US" dirty="0"/>
-              <a:t>4/29/17</a:t>
+              <a:t>4/30/2017</a:t>
             </a:fld>
             <a:endParaRPr lang="en-US" dirty="0"/>
           </a:p>
@@ -3034,7 +3124,7 @@
           <a:p>
             <a:fld id="{20EBB0C4-6273-4C6E-B9BD-2EDC30F1CD52}" type="datetimeFigureOut">
               <a:rPr lang="en-US" dirty="0"/>
-              <a:t>4/29/17</a:t>
+              <a:t>4/30/2017</a:t>
             </a:fld>
             <a:endParaRPr lang="en-US" dirty="0"/>
           </a:p>
@@ -3304,7 +3394,7 @@
           <a:p>
             <a:fld id="{19AB4D41-86C1-4908-B66A-0B50CEB3BF29}" type="datetimeFigureOut">
               <a:rPr lang="en-US" dirty="0"/>
-              <a:t>4/29/17</a:t>
+              <a:t>4/30/2017</a:t>
             </a:fld>
             <a:endParaRPr lang="en-US" dirty="0"/>
           </a:p>
@@ -3678,7 +3768,7 @@
           <a:p>
             <a:fld id="{E6426E2C-56C1-4E0D-A793-0088A7FDD37E}" type="datetimeFigureOut">
               <a:rPr lang="en-US" dirty="0"/>
-              <a:t>4/29/17</a:t>
+              <a:t>4/30/2017</a:t>
             </a:fld>
             <a:endParaRPr lang="en-US" dirty="0"/>
           </a:p>
@@ -3791,7 +3881,7 @@
           <a:p>
             <a:fld id="{C8C39B41-D8B5-4052-B551-9B5525EAA8B6}" type="datetimeFigureOut">
               <a:rPr lang="en-US" dirty="0"/>
-              <a:t>4/29/17</a:t>
+              <a:t>4/30/2017</a:t>
             </a:fld>
             <a:endParaRPr lang="en-US" dirty="0"/>
           </a:p>
@@ -3957,7 +4047,7 @@
           <a:p>
             <a:fld id="{4D94136C-8742-45B2-AF27-D93DF72833A9}" type="datetimeFigureOut">
               <a:rPr lang="en-US" dirty="0"/>
-              <a:t>4/29/17</a:t>
+              <a:t>4/30/2017</a:t>
             </a:fld>
             <a:endParaRPr lang="en-US" dirty="0"/>
           </a:p>
@@ -4307,7 +4397,7 @@
           <a:p>
             <a:fld id="{32ABBEA6-7C60-4B02-AE87-00D78D8422AF}" type="datetimeFigureOut">
               <a:rPr lang="en-US" dirty="0"/>
-              <a:t>4/29/17</a:t>
+              <a:t>4/30/2017</a:t>
             </a:fld>
             <a:endParaRPr lang="en-US" dirty="0"/>
           </a:p>
@@ -4685,7 +4775,7 @@
           <a:p>
             <a:fld id="{C9CAD897-D46E-4AD2-BD9B-49DD3E640873}" type="datetimeFigureOut">
               <a:rPr lang="en-US" dirty="0"/>
-              <a:t>4/29/17</a:t>
+              <a:t>4/30/2017</a:t>
             </a:fld>
             <a:endParaRPr lang="en-US" dirty="0"/>
           </a:p>
@@ -4967,7 +5057,7 @@
           <a:p>
             <a:fld id="{98624D31-43A5-475A-80CF-332C9F6DCF35}" type="datetimeFigureOut">
               <a:rPr lang="en-US" dirty="0"/>
-              <a:t>4/29/17</a:t>
+              <a:t>4/30/2017</a:t>
             </a:fld>
             <a:endParaRPr lang="en-US" dirty="0"/>
           </a:p>
@@ -8795,7 +8885,6 @@
               <a:rPr lang="en-US" dirty="0"/>
               <a:t>Test-log (cont.)</a:t>
             </a:r>
-            <a:endParaRPr lang="en-US" dirty="0"/>
           </a:p>
         </p:txBody>
       </p:sp>
@@ -8877,7 +8966,6 @@
               <a:rPr lang="en-US" dirty="0"/>
               <a:t>Test-log (cont.)</a:t>
             </a:r>
-            <a:endParaRPr lang="en-US" dirty="0"/>
           </a:p>
         </p:txBody>
       </p:sp>
@@ -9122,7 +9210,6 @@
               <a:rPr lang="en-US" dirty="0"/>
               <a:t>Test-log (cont.)</a:t>
             </a:r>
-            <a:endParaRPr lang="en-US" dirty="0"/>
           </a:p>
         </p:txBody>
       </p:sp>
@@ -9368,7 +9455,6 @@
               <a:rPr lang="en-US" dirty="0"/>
               <a:t>Test-plan (cont.)</a:t>
             </a:r>
-            <a:endParaRPr lang="en-US" dirty="0"/>
           </a:p>
         </p:txBody>
       </p:sp>
@@ -9727,6 +9813,571 @@
           <a:p>
             <a:r>
               <a:rPr lang="en-US" dirty="0" smtClean="0"/>
+              <a:t>Support </a:t>
+            </a:r>
+            <a:r>
+              <a:rPr lang="en-US" dirty="0"/>
+              <a:t>tools</a:t>
+            </a:r>
+          </a:p>
+        </p:txBody>
+      </p:sp>
+      <p:sp>
+        <p:nvSpPr>
+          <p:cNvPr id="3" name="Content Placeholder 2"/>
+          <p:cNvSpPr>
+            <a:spLocks noGrp="1"/>
+          </p:cNvSpPr>
+          <p:nvPr>
+            <p:ph idx="1"/>
+          </p:nvPr>
+        </p:nvSpPr>
+        <p:spPr/>
+        <p:txBody>
+          <a:bodyPr/>
+          <a:lstStyle/>
+          <a:p>
+            <a:r>
+              <a:rPr lang="en-US" dirty="0" smtClean="0"/>
+              <a:t>- </a:t>
+            </a:r>
+            <a:r>
+              <a:rPr lang="en-US" dirty="0"/>
+              <a:t>Scrum </a:t>
+            </a:r>
+            <a:r>
+              <a:rPr lang="en-US" dirty="0" smtClean="0"/>
+              <a:t>management: </a:t>
+            </a:r>
+            <a:r>
+              <a:rPr lang="en-US" dirty="0" smtClean="0">
+                <a:hlinkClick r:id="rId2"/>
+              </a:rPr>
+              <a:t>Visual </a:t>
+            </a:r>
+            <a:r>
+              <a:rPr lang="en-US" dirty="0" err="1" smtClean="0">
+                <a:hlinkClick r:id="rId2"/>
+              </a:rPr>
+              <a:t>Studo</a:t>
+            </a:r>
+            <a:r>
+              <a:rPr lang="en-US" dirty="0" smtClean="0">
+                <a:hlinkClick r:id="rId2"/>
+              </a:rPr>
+              <a:t> Team Services</a:t>
+            </a:r>
+            <a:endParaRPr lang="en-US" dirty="0" smtClean="0"/>
+          </a:p>
+          <a:p>
+            <a:endParaRPr lang="en-US" dirty="0"/>
+          </a:p>
+        </p:txBody>
+      </p:sp>
+      <p:pic>
+        <p:nvPicPr>
+          <p:cNvPr id="4" name="Picture 3"/>
+          <p:cNvPicPr>
+            <a:picLocks noChangeAspect="1"/>
+          </p:cNvPicPr>
+          <p:nvPr/>
+        </p:nvPicPr>
+        <p:blipFill>
+          <a:blip r:embed="rId3">
+            <a:extLst>
+              <a:ext uri="{28A0092B-C50C-407E-A947-70E740481C1C}">
+                <a14:useLocalDpi xmlns:a14="http://schemas.microsoft.com/office/drawing/2010/main" val="0"/>
+              </a:ext>
+            </a:extLst>
+          </a:blip>
+          <a:stretch>
+            <a:fillRect/>
+          </a:stretch>
+        </p:blipFill>
+        <p:spPr>
+          <a:xfrm>
+            <a:off x="2133090" y="2196019"/>
+            <a:ext cx="7986779" cy="4064105"/>
+          </a:xfrm>
+          <a:prstGeom prst="rect">
+            <a:avLst/>
+          </a:prstGeom>
+        </p:spPr>
+      </p:pic>
+    </p:spTree>
+    <p:extLst>
+      <p:ext uri="{BB962C8B-B14F-4D97-AF65-F5344CB8AC3E}">
+        <p14:creationId xmlns:p14="http://schemas.microsoft.com/office/powerpoint/2010/main" val="2810214169"/>
+      </p:ext>
+    </p:extLst>
+  </p:cSld>
+  <p:clrMapOvr>
+    <a:masterClrMapping/>
+  </p:clrMapOvr>
+  <p:timing>
+    <p:tnLst>
+      <p:par>
+        <p:cTn id="1" dur="indefinite" restart="never" nodeType="tmRoot"/>
+      </p:par>
+    </p:tnLst>
+  </p:timing>
+</p:sld>
+</file>
+
+<file path=ppt/slides/slide37.xml><?xml version="1.0" encoding="utf-8"?>
+<p:sld xmlns:a="http://schemas.openxmlformats.org/drawingml/2006/main" xmlns:r="http://schemas.openxmlformats.org/officeDocument/2006/relationships" xmlns:p="http://schemas.openxmlformats.org/presentationml/2006/main">
+  <p:cSld>
+    <p:spTree>
+      <p:nvGrpSpPr>
+        <p:cNvPr id="1" name=""/>
+        <p:cNvGrpSpPr/>
+        <p:nvPr/>
+      </p:nvGrpSpPr>
+      <p:grpSpPr>
+        <a:xfrm>
+          <a:off x="0" y="0"/>
+          <a:ext cx="0" cy="0"/>
+          <a:chOff x="0" y="0"/>
+          <a:chExt cx="0" cy="0"/>
+        </a:xfrm>
+      </p:grpSpPr>
+      <p:sp>
+        <p:nvSpPr>
+          <p:cNvPr id="2" name="Title 1"/>
+          <p:cNvSpPr>
+            <a:spLocks noGrp="1"/>
+          </p:cNvSpPr>
+          <p:nvPr>
+            <p:ph type="title"/>
+          </p:nvPr>
+        </p:nvSpPr>
+        <p:spPr/>
+        <p:txBody>
+          <a:bodyPr/>
+          <a:lstStyle/>
+          <a:p>
+            <a:r>
+              <a:rPr lang="en-US" dirty="0"/>
+              <a:t>Support </a:t>
+            </a:r>
+            <a:r>
+              <a:rPr lang="en-US" dirty="0" smtClean="0"/>
+              <a:t>tools (</a:t>
+            </a:r>
+            <a:r>
+              <a:rPr lang="en-US" dirty="0" err="1" smtClean="0"/>
+              <a:t>cont</a:t>
+            </a:r>
+            <a:r>
+              <a:rPr lang="en-US" dirty="0" smtClean="0"/>
+              <a:t>)</a:t>
+            </a:r>
+            <a:endParaRPr lang="en-US" dirty="0"/>
+          </a:p>
+        </p:txBody>
+      </p:sp>
+      <p:sp>
+        <p:nvSpPr>
+          <p:cNvPr id="3" name="Content Placeholder 2"/>
+          <p:cNvSpPr>
+            <a:spLocks noGrp="1"/>
+          </p:cNvSpPr>
+          <p:nvPr>
+            <p:ph idx="1"/>
+          </p:nvPr>
+        </p:nvSpPr>
+        <p:spPr/>
+        <p:txBody>
+          <a:bodyPr/>
+          <a:lstStyle/>
+          <a:p>
+            <a:r>
+              <a:rPr lang="en-US" dirty="0"/>
+              <a:t>- </a:t>
+            </a:r>
+            <a:r>
+              <a:rPr lang="en-US" dirty="0" smtClean="0"/>
+              <a:t>Version </a:t>
+            </a:r>
+            <a:r>
+              <a:rPr lang="en-US" dirty="0"/>
+              <a:t>control repository management </a:t>
+            </a:r>
+            <a:r>
+              <a:rPr lang="en-US" dirty="0" smtClean="0"/>
+              <a:t>: </a:t>
+            </a:r>
+            <a:r>
+              <a:rPr lang="en-US" dirty="0" err="1" smtClean="0">
+                <a:hlinkClick r:id="rId2"/>
+              </a:rPr>
+              <a:t>Github</a:t>
+            </a:r>
+            <a:endParaRPr lang="en-US" dirty="0" smtClean="0"/>
+          </a:p>
+          <a:p>
+            <a:endParaRPr lang="en-US" dirty="0"/>
+          </a:p>
+        </p:txBody>
+      </p:sp>
+      <p:pic>
+        <p:nvPicPr>
+          <p:cNvPr id="4" name="Picture 3"/>
+          <p:cNvPicPr>
+            <a:picLocks noChangeAspect="1"/>
+          </p:cNvPicPr>
+          <p:nvPr/>
+        </p:nvPicPr>
+        <p:blipFill>
+          <a:blip r:embed="rId3">
+            <a:extLst>
+              <a:ext uri="{28A0092B-C50C-407E-A947-70E740481C1C}">
+                <a14:useLocalDpi xmlns:a14="http://schemas.microsoft.com/office/drawing/2010/main" val="0"/>
+              </a:ext>
+            </a:extLst>
+          </a:blip>
+          <a:stretch>
+            <a:fillRect/>
+          </a:stretch>
+        </p:blipFill>
+        <p:spPr>
+          <a:xfrm>
+            <a:off x="2190368" y="2238731"/>
+            <a:ext cx="7872224" cy="4041488"/>
+          </a:xfrm>
+          <a:prstGeom prst="rect">
+            <a:avLst/>
+          </a:prstGeom>
+        </p:spPr>
+      </p:pic>
+    </p:spTree>
+    <p:extLst>
+      <p:ext uri="{BB962C8B-B14F-4D97-AF65-F5344CB8AC3E}">
+        <p14:creationId xmlns:p14="http://schemas.microsoft.com/office/powerpoint/2010/main" val="2830147738"/>
+      </p:ext>
+    </p:extLst>
+  </p:cSld>
+  <p:clrMapOvr>
+    <a:masterClrMapping/>
+  </p:clrMapOvr>
+  <p:timing>
+    <p:tnLst>
+      <p:par>
+        <p:cTn id="1" dur="indefinite" restart="never" nodeType="tmRoot"/>
+      </p:par>
+    </p:tnLst>
+  </p:timing>
+</p:sld>
+</file>
+
+<file path=ppt/slides/slide38.xml><?xml version="1.0" encoding="utf-8"?>
+<p:sld xmlns:a="http://schemas.openxmlformats.org/drawingml/2006/main" xmlns:r="http://schemas.openxmlformats.org/officeDocument/2006/relationships" xmlns:p="http://schemas.openxmlformats.org/presentationml/2006/main">
+  <p:cSld>
+    <p:spTree>
+      <p:nvGrpSpPr>
+        <p:cNvPr id="1" name=""/>
+        <p:cNvGrpSpPr/>
+        <p:nvPr/>
+      </p:nvGrpSpPr>
+      <p:grpSpPr>
+        <a:xfrm>
+          <a:off x="0" y="0"/>
+          <a:ext cx="0" cy="0"/>
+          <a:chOff x="0" y="0"/>
+          <a:chExt cx="0" cy="0"/>
+        </a:xfrm>
+      </p:grpSpPr>
+      <p:sp>
+        <p:nvSpPr>
+          <p:cNvPr id="2" name="Title 1"/>
+          <p:cNvSpPr>
+            <a:spLocks noGrp="1"/>
+          </p:cNvSpPr>
+          <p:nvPr>
+            <p:ph type="title"/>
+          </p:nvPr>
+        </p:nvSpPr>
+        <p:spPr/>
+        <p:txBody>
+          <a:bodyPr/>
+          <a:lstStyle/>
+          <a:p>
+            <a:r>
+              <a:rPr lang="en-US"/>
+              <a:t>Support tools (cont)</a:t>
+            </a:r>
+            <a:endParaRPr lang="en-US" dirty="0"/>
+          </a:p>
+        </p:txBody>
+      </p:sp>
+      <p:sp>
+        <p:nvSpPr>
+          <p:cNvPr id="3" name="Content Placeholder 2"/>
+          <p:cNvSpPr>
+            <a:spLocks noGrp="1"/>
+          </p:cNvSpPr>
+          <p:nvPr>
+            <p:ph idx="1"/>
+          </p:nvPr>
+        </p:nvSpPr>
+        <p:spPr/>
+        <p:txBody>
+          <a:bodyPr/>
+          <a:lstStyle/>
+          <a:p>
+            <a:r>
+              <a:rPr lang="en-US" dirty="0" smtClean="0"/>
+              <a:t>- Scrum meeting and daily meeting log</a:t>
+            </a:r>
+          </a:p>
+          <a:p>
+            <a:pPr marL="201168" lvl="1" indent="0">
+              <a:buNone/>
+            </a:pPr>
+            <a:endParaRPr lang="en-US" dirty="0"/>
+          </a:p>
+        </p:txBody>
+      </p:sp>
+      <p:graphicFrame>
+        <p:nvGraphicFramePr>
+          <p:cNvPr id="7" name="Table 6"/>
+          <p:cNvGraphicFramePr>
+            <a:graphicFrameLocks noGrp="1"/>
+          </p:cNvGraphicFramePr>
+          <p:nvPr>
+            <p:extLst>
+              <p:ext uri="{D42A27DB-BD31-4B8C-83A1-F6EECF244321}">
+                <p14:modId xmlns:p14="http://schemas.microsoft.com/office/powerpoint/2010/main" val="1568423141"/>
+              </p:ext>
+            </p:extLst>
+          </p:nvPr>
+        </p:nvGraphicFramePr>
+        <p:xfrm>
+          <a:off x="1929283" y="2371919"/>
+          <a:ext cx="9697776" cy="3686444"/>
+        </p:xfrm>
+        <a:graphic>
+          <a:graphicData uri="http://schemas.openxmlformats.org/drawingml/2006/table">
+            <a:tbl>
+              <a:tblPr firstRow="1" bandRow="1">
+                <a:tableStyleId>{5C22544A-7EE6-4342-B048-85BDC9FD1C3A}</a:tableStyleId>
+              </a:tblPr>
+              <a:tblGrid>
+                <a:gridCol w="4848888"/>
+                <a:gridCol w="4848888"/>
+              </a:tblGrid>
+              <a:tr h="816262">
+                <a:tc>
+                  <a:txBody>
+                    <a:bodyPr/>
+                    <a:lstStyle/>
+                    <a:p>
+                      <a:r>
+                        <a:rPr lang="en-US" dirty="0" smtClean="0">
+                          <a:solidFill>
+                            <a:schemeClr val="tx1"/>
+                          </a:solidFill>
+                          <a:hlinkClick r:id="rId3"/>
+                        </a:rPr>
+                        <a:t>Skype </a:t>
+                      </a:r>
+                      <a:endParaRPr lang="en-US" dirty="0">
+                        <a:solidFill>
+                          <a:schemeClr val="tx1"/>
+                        </a:solidFill>
+                      </a:endParaRPr>
+                    </a:p>
+                  </a:txBody>
+                  <a:tcPr>
+                    <a:solidFill>
+                      <a:schemeClr val="bg1"/>
+                    </a:solidFill>
+                  </a:tcPr>
+                </a:tc>
+                <a:tc>
+                  <a:txBody>
+                    <a:bodyPr/>
+                    <a:lstStyle/>
+                    <a:p>
+                      <a:r>
+                        <a:rPr lang="en-US" dirty="0" err="1" smtClean="0">
+                          <a:solidFill>
+                            <a:schemeClr val="tx1"/>
+                          </a:solidFill>
+                          <a:hlinkClick r:id="rId4"/>
+                        </a:rPr>
+                        <a:t>Gitbook</a:t>
+                      </a:r>
+                      <a:endParaRPr lang="en-US" dirty="0">
+                        <a:solidFill>
+                          <a:schemeClr val="tx1"/>
+                        </a:solidFill>
+                      </a:endParaRPr>
+                    </a:p>
+                  </a:txBody>
+                  <a:tcPr>
+                    <a:solidFill>
+                      <a:schemeClr val="bg1"/>
+                    </a:solidFill>
+                  </a:tcPr>
+                </a:tc>
+              </a:tr>
+              <a:tr h="2870182">
+                <a:tc>
+                  <a:txBody>
+                    <a:bodyPr/>
+                    <a:lstStyle/>
+                    <a:p>
+                      <a:endParaRPr lang="en-US" dirty="0">
+                        <a:solidFill>
+                          <a:schemeClr val="tx1"/>
+                        </a:solidFill>
+                      </a:endParaRPr>
+                    </a:p>
+                  </a:txBody>
+                  <a:tcPr>
+                    <a:solidFill>
+                      <a:schemeClr val="bg1"/>
+                    </a:solidFill>
+                  </a:tcPr>
+                </a:tc>
+                <a:tc>
+                  <a:txBody>
+                    <a:bodyPr/>
+                    <a:lstStyle/>
+                    <a:p>
+                      <a:endParaRPr lang="en-US" dirty="0">
+                        <a:solidFill>
+                          <a:schemeClr val="tx1"/>
+                        </a:solidFill>
+                      </a:endParaRPr>
+                    </a:p>
+                  </a:txBody>
+                  <a:tcPr>
+                    <a:solidFill>
+                      <a:schemeClr val="bg1"/>
+                    </a:solidFill>
+                  </a:tcPr>
+                </a:tc>
+              </a:tr>
+            </a:tbl>
+          </a:graphicData>
+        </a:graphic>
+      </p:graphicFrame>
+      <p:pic>
+        <p:nvPicPr>
+          <p:cNvPr id="8" name="Picture 7"/>
+          <p:cNvPicPr>
+            <a:picLocks noChangeAspect="1"/>
+          </p:cNvPicPr>
+          <p:nvPr/>
+        </p:nvPicPr>
+        <p:blipFill>
+          <a:blip r:embed="rId5">
+            <a:extLst>
+              <a:ext uri="{28A0092B-C50C-407E-A947-70E740481C1C}">
+                <a14:useLocalDpi xmlns:a14="http://schemas.microsoft.com/office/drawing/2010/main" val="0"/>
+              </a:ext>
+            </a:extLst>
+          </a:blip>
+          <a:stretch>
+            <a:fillRect/>
+          </a:stretch>
+        </p:blipFill>
+        <p:spPr>
+          <a:xfrm>
+            <a:off x="1449499" y="2817045"/>
+            <a:ext cx="4328302" cy="3160423"/>
+          </a:xfrm>
+          <a:prstGeom prst="rect">
+            <a:avLst/>
+          </a:prstGeom>
+        </p:spPr>
+      </p:pic>
+      <p:pic>
+        <p:nvPicPr>
+          <p:cNvPr id="9" name="Picture 8"/>
+          <p:cNvPicPr>
+            <a:picLocks noChangeAspect="1"/>
+          </p:cNvPicPr>
+          <p:nvPr/>
+        </p:nvPicPr>
+        <p:blipFill>
+          <a:blip r:embed="rId6">
+            <a:extLst>
+              <a:ext uri="{28A0092B-C50C-407E-A947-70E740481C1C}">
+                <a14:useLocalDpi xmlns:a14="http://schemas.microsoft.com/office/drawing/2010/main" val="0"/>
+              </a:ext>
+            </a:extLst>
+          </a:blip>
+          <a:stretch>
+            <a:fillRect/>
+          </a:stretch>
+        </p:blipFill>
+        <p:spPr>
+          <a:xfrm>
+            <a:off x="5908917" y="2817045"/>
+            <a:ext cx="6162503" cy="3160423"/>
+          </a:xfrm>
+          <a:prstGeom prst="rect">
+            <a:avLst/>
+          </a:prstGeom>
+        </p:spPr>
+      </p:pic>
+    </p:spTree>
+    <p:extLst>
+      <p:ext uri="{BB962C8B-B14F-4D97-AF65-F5344CB8AC3E}">
+        <p14:creationId xmlns:p14="http://schemas.microsoft.com/office/powerpoint/2010/main" val="2251667644"/>
+      </p:ext>
+    </p:extLst>
+  </p:cSld>
+  <p:clrMapOvr>
+    <a:masterClrMapping/>
+  </p:clrMapOvr>
+  <p:timing>
+    <p:tnLst>
+      <p:par>
+        <p:cTn id="1" dur="indefinite" restart="never" nodeType="tmRoot"/>
+      </p:par>
+    </p:tnLst>
+  </p:timing>
+</p:sld>
+</file>
+
+<file path=ppt/slides/slide39.xml><?xml version="1.0" encoding="utf-8"?>
+<p:sld xmlns:a="http://schemas.openxmlformats.org/drawingml/2006/main" xmlns:r="http://schemas.openxmlformats.org/officeDocument/2006/relationships" xmlns:p="http://schemas.openxmlformats.org/presentationml/2006/main">
+  <p:cSld>
+    <p:spTree>
+      <p:nvGrpSpPr>
+        <p:cNvPr id="1" name=""/>
+        <p:cNvGrpSpPr/>
+        <p:nvPr/>
+      </p:nvGrpSpPr>
+      <p:grpSpPr>
+        <a:xfrm>
+          <a:off x="0" y="0"/>
+          <a:ext cx="0" cy="0"/>
+          <a:chOff x="0" y="0"/>
+          <a:chExt cx="0" cy="0"/>
+        </a:xfrm>
+      </p:grpSpPr>
+      <p:sp>
+        <p:nvSpPr>
+          <p:cNvPr id="2" name="Title 1"/>
+          <p:cNvSpPr>
+            <a:spLocks noGrp="1"/>
+          </p:cNvSpPr>
+          <p:nvPr>
+            <p:ph type="title"/>
+          </p:nvPr>
+        </p:nvSpPr>
+        <p:spPr/>
+        <p:txBody>
+          <a:bodyPr/>
+          <a:lstStyle/>
+          <a:p>
+            <a:r>
+              <a:rPr lang="en-US" dirty="0" smtClean="0"/>
               <a:t>Product Backlog</a:t>
             </a:r>
             <a:endParaRPr lang="en-US" dirty="0"/>
@@ -9782,7 +10433,110 @@
 </p:sld>
 </file>
 
-<file path=ppt/slides/slide37.xml><?xml version="1.0" encoding="utf-8"?>
+<file path=ppt/slides/slide4.xml><?xml version="1.0" encoding="utf-8"?>
+<p:sld xmlns:a="http://schemas.openxmlformats.org/drawingml/2006/main" xmlns:r="http://schemas.openxmlformats.org/officeDocument/2006/relationships" xmlns:p="http://schemas.openxmlformats.org/presentationml/2006/main">
+  <p:cSld>
+    <p:spTree>
+      <p:nvGrpSpPr>
+        <p:cNvPr id="1" name=""/>
+        <p:cNvGrpSpPr/>
+        <p:nvPr/>
+      </p:nvGrpSpPr>
+      <p:grpSpPr>
+        <a:xfrm>
+          <a:off x="0" y="0"/>
+          <a:ext cx="0" cy="0"/>
+          <a:chOff x="0" y="0"/>
+          <a:chExt cx="0" cy="0"/>
+        </a:xfrm>
+      </p:grpSpPr>
+      <p:sp>
+        <p:nvSpPr>
+          <p:cNvPr id="18" name="Title 17"/>
+          <p:cNvSpPr>
+            <a:spLocks noGrp="1"/>
+          </p:cNvSpPr>
+          <p:nvPr>
+            <p:ph type="title"/>
+          </p:nvPr>
+        </p:nvSpPr>
+        <p:spPr/>
+        <p:txBody>
+          <a:bodyPr/>
+          <a:lstStyle/>
+          <a:p>
+            <a:r>
+              <a:rPr lang="en-US" dirty="0" smtClean="0"/>
+              <a:t>Extenuating circumstances</a:t>
+            </a:r>
+            <a:endParaRPr lang="en-US" dirty="0"/>
+          </a:p>
+        </p:txBody>
+      </p:sp>
+      <p:sp>
+        <p:nvSpPr>
+          <p:cNvPr id="19" name="Content Placeholder 18"/>
+          <p:cNvSpPr>
+            <a:spLocks noGrp="1"/>
+          </p:cNvSpPr>
+          <p:nvPr>
+            <p:ph idx="1"/>
+          </p:nvPr>
+        </p:nvSpPr>
+        <p:spPr/>
+        <p:txBody>
+          <a:bodyPr>
+            <a:normAutofit/>
+          </a:bodyPr>
+          <a:lstStyle/>
+          <a:p>
+            <a:r>
+              <a:rPr lang="en-US" sz="2400" dirty="0" smtClean="0"/>
+              <a:t>- The process</a:t>
+            </a:r>
+          </a:p>
+          <a:p>
+            <a:r>
+              <a:rPr lang="en-US" sz="2400" dirty="0"/>
+              <a:t>- </a:t>
+            </a:r>
+            <a:r>
+              <a:rPr lang="en-US" sz="2400" dirty="0" smtClean="0"/>
+              <a:t>Informing school </a:t>
+            </a:r>
+            <a:r>
+              <a:rPr lang="en-US" sz="2400" dirty="0"/>
+              <a:t>of the circumstances that have affected </a:t>
+            </a:r>
+            <a:r>
+              <a:rPr lang="en-US" sz="2400" dirty="0" smtClean="0"/>
+              <a:t>student</a:t>
+            </a:r>
+            <a:endParaRPr lang="en-US" sz="2400" dirty="0"/>
+          </a:p>
+        </p:txBody>
+      </p:sp>
+    </p:spTree>
+    <p:extLst>
+      <p:ext uri="{BB962C8B-B14F-4D97-AF65-F5344CB8AC3E}">
+        <p14:creationId xmlns:p14="http://schemas.microsoft.com/office/powerpoint/2010/main" val="760715267"/>
+      </p:ext>
+    </p:extLst>
+  </p:cSld>
+  <p:clrMapOvr>
+    <a:masterClrMapping/>
+  </p:clrMapOvr>
+  <p:timing>
+    <p:tnLst>
+      <p:par>
+        <p:cTn id="1" dur="indefinite" restart="never" nodeType="tmRoot"/>
+      </p:par>
+    </p:tnLst>
+  </p:timing>
+</p:sld>
+</file>
+
+<file path=ppt/slides/slide40.xml><?xml version="1.0" encoding="utf-8"?>
 <p:sld xmlns:a="http://schemas.openxmlformats.org/drawingml/2006/main" xmlns:r="http://schemas.openxmlformats.org/officeDocument/2006/relationships" xmlns:p="http://schemas.openxmlformats.org/presentationml/2006/main">
   <p:cSld>
     <p:spTree>
@@ -9942,7 +10696,7 @@
 </p:sld>
 </file>
 
-<file path=ppt/slides/slide38.xml><?xml version="1.0" encoding="utf-8"?>
+<file path=ppt/slides/slide41.xml><?xml version="1.0" encoding="utf-8"?>
 <p:sld xmlns:a="http://schemas.openxmlformats.org/drawingml/2006/main" xmlns:r="http://schemas.openxmlformats.org/officeDocument/2006/relationships" xmlns:p="http://schemas.openxmlformats.org/presentationml/2006/main">
   <p:cSld>
     <p:spTree>
@@ -10031,7 +10785,7 @@
 </p:sld>
 </file>
 
-<file path=ppt/slides/slide39.xml><?xml version="1.0" encoding="utf-8"?>
+<file path=ppt/slides/slide42.xml><?xml version="1.0" encoding="utf-8"?>
 <p:sld xmlns:a="http://schemas.openxmlformats.org/drawingml/2006/main" xmlns:r="http://schemas.openxmlformats.org/officeDocument/2006/relationships" xmlns:p="http://schemas.openxmlformats.org/presentationml/2006/main">
   <p:cSld>
     <p:spTree>
@@ -10120,110 +10874,7 @@
 </p:sld>
 </file>
 
-<file path=ppt/slides/slide4.xml><?xml version="1.0" encoding="utf-8"?>
-<p:sld xmlns:a="http://schemas.openxmlformats.org/drawingml/2006/main" xmlns:r="http://schemas.openxmlformats.org/officeDocument/2006/relationships" xmlns:p="http://schemas.openxmlformats.org/presentationml/2006/main">
-  <p:cSld>
-    <p:spTree>
-      <p:nvGrpSpPr>
-        <p:cNvPr id="1" name=""/>
-        <p:cNvGrpSpPr/>
-        <p:nvPr/>
-      </p:nvGrpSpPr>
-      <p:grpSpPr>
-        <a:xfrm>
-          <a:off x="0" y="0"/>
-          <a:ext cx="0" cy="0"/>
-          <a:chOff x="0" y="0"/>
-          <a:chExt cx="0" cy="0"/>
-        </a:xfrm>
-      </p:grpSpPr>
-      <p:sp>
-        <p:nvSpPr>
-          <p:cNvPr id="18" name="Title 17"/>
-          <p:cNvSpPr>
-            <a:spLocks noGrp="1"/>
-          </p:cNvSpPr>
-          <p:nvPr>
-            <p:ph type="title"/>
-          </p:nvPr>
-        </p:nvSpPr>
-        <p:spPr/>
-        <p:txBody>
-          <a:bodyPr/>
-          <a:lstStyle/>
-          <a:p>
-            <a:r>
-              <a:rPr lang="en-US" dirty="0" smtClean="0"/>
-              <a:t>Extenuating circumstances</a:t>
-            </a:r>
-            <a:endParaRPr lang="en-US" dirty="0"/>
-          </a:p>
-        </p:txBody>
-      </p:sp>
-      <p:sp>
-        <p:nvSpPr>
-          <p:cNvPr id="19" name="Content Placeholder 18"/>
-          <p:cNvSpPr>
-            <a:spLocks noGrp="1"/>
-          </p:cNvSpPr>
-          <p:nvPr>
-            <p:ph idx="1"/>
-          </p:nvPr>
-        </p:nvSpPr>
-        <p:spPr/>
-        <p:txBody>
-          <a:bodyPr>
-            <a:normAutofit/>
-          </a:bodyPr>
-          <a:lstStyle/>
-          <a:p>
-            <a:r>
-              <a:rPr lang="en-US" sz="2400" dirty="0" smtClean="0"/>
-              <a:t>- The process</a:t>
-            </a:r>
-          </a:p>
-          <a:p>
-            <a:r>
-              <a:rPr lang="en-US" sz="2400" dirty="0"/>
-              <a:t>- </a:t>
-            </a:r>
-            <a:r>
-              <a:rPr lang="en-US" sz="2400" dirty="0" smtClean="0"/>
-              <a:t>Informing school </a:t>
-            </a:r>
-            <a:r>
-              <a:rPr lang="en-US" sz="2400" dirty="0"/>
-              <a:t>of the circumstances that have affected </a:t>
-            </a:r>
-            <a:r>
-              <a:rPr lang="en-US" sz="2400" dirty="0" smtClean="0"/>
-              <a:t>student</a:t>
-            </a:r>
-            <a:endParaRPr lang="en-US" sz="2400" dirty="0"/>
-          </a:p>
-        </p:txBody>
-      </p:sp>
-    </p:spTree>
-    <p:extLst>
-      <p:ext uri="{BB962C8B-B14F-4D97-AF65-F5344CB8AC3E}">
-        <p14:creationId xmlns:p14="http://schemas.microsoft.com/office/powerpoint/2010/main" val="760715267"/>
-      </p:ext>
-    </p:extLst>
-  </p:cSld>
-  <p:clrMapOvr>
-    <a:masterClrMapping/>
-  </p:clrMapOvr>
-  <p:timing>
-    <p:tnLst>
-      <p:par>
-        <p:cTn id="1" dur="indefinite" restart="never" nodeType="tmRoot"/>
-      </p:par>
-    </p:tnLst>
-  </p:timing>
-</p:sld>
-</file>
-
-<file path=ppt/slides/slide40.xml><?xml version="1.0" encoding="utf-8"?>
+<file path=ppt/slides/slide43.xml><?xml version="1.0" encoding="utf-8"?>
 <p:sld xmlns:a="http://schemas.openxmlformats.org/drawingml/2006/main" xmlns:r="http://schemas.openxmlformats.org/officeDocument/2006/relationships" xmlns:p="http://schemas.openxmlformats.org/presentationml/2006/main">
   <p:cSld>
     <p:spTree>
@@ -10320,7 +10971,7 @@
 </p:sld>
 </file>
 
-<file path=ppt/slides/slide41.xml><?xml version="1.0" encoding="utf-8"?>
+<file path=ppt/slides/slide44.xml><?xml version="1.0" encoding="utf-8"?>
 <p:sld xmlns:a="http://schemas.openxmlformats.org/drawingml/2006/main" xmlns:r="http://schemas.openxmlformats.org/officeDocument/2006/relationships" xmlns:p="http://schemas.openxmlformats.org/presentationml/2006/main">
   <p:cSld>
     <p:spTree>
@@ -10416,7 +11067,7 @@
 </p:sld>
 </file>
 
-<file path=ppt/slides/slide42.xml><?xml version="1.0" encoding="utf-8"?>
+<file path=ppt/slides/slide45.xml><?xml version="1.0" encoding="utf-8"?>
 <p:sld xmlns:a="http://schemas.openxmlformats.org/drawingml/2006/main" xmlns:r="http://schemas.openxmlformats.org/officeDocument/2006/relationships" xmlns:p="http://schemas.openxmlformats.org/presentationml/2006/main">
   <p:cSld>
     <p:spTree>
@@ -10512,7 +11163,7 @@
 </p:sld>
 </file>
 
-<file path=ppt/slides/slide43.xml><?xml version="1.0" encoding="utf-8"?>
+<file path=ppt/slides/slide46.xml><?xml version="1.0" encoding="utf-8"?>
 <p:sld xmlns:a="http://schemas.openxmlformats.org/drawingml/2006/main" xmlns:r="http://schemas.openxmlformats.org/officeDocument/2006/relationships" xmlns:p="http://schemas.openxmlformats.org/presentationml/2006/main">
   <p:cSld>
     <p:spTree>
@@ -10600,7 +11251,7 @@
 </p:sld>
 </file>
 
-<file path=ppt/slides/slide44.xml><?xml version="1.0" encoding="utf-8"?>
+<file path=ppt/slides/slide47.xml><?xml version="1.0" encoding="utf-8"?>
 <p:sld xmlns:a="http://schemas.openxmlformats.org/drawingml/2006/main" xmlns:r="http://schemas.openxmlformats.org/officeDocument/2006/relationships" xmlns:p="http://schemas.openxmlformats.org/presentationml/2006/main">
   <p:cSld>
     <p:spTree>
@@ -10689,7 +11340,7 @@
 </p:sld>
 </file>
 
-<file path=ppt/slides/slide45.xml><?xml version="1.0" encoding="utf-8"?>
+<file path=ppt/slides/slide48.xml><?xml version="1.0" encoding="utf-8"?>
 <p:sld xmlns:a="http://schemas.openxmlformats.org/drawingml/2006/main" xmlns:r="http://schemas.openxmlformats.org/officeDocument/2006/relationships" xmlns:p="http://schemas.openxmlformats.org/presentationml/2006/main">
   <p:cSld>
     <p:spTree>
@@ -10782,7 +11433,7 @@
 </p:sld>
 </file>
 
-<file path=ppt/slides/slide46.xml><?xml version="1.0" encoding="utf-8"?>
+<file path=ppt/slides/slide49.xml><?xml version="1.0" encoding="utf-8"?>
 <p:sld xmlns:a="http://schemas.openxmlformats.org/drawingml/2006/main" xmlns:r="http://schemas.openxmlformats.org/officeDocument/2006/relationships" xmlns:p="http://schemas.openxmlformats.org/presentationml/2006/main">
   <p:cSld>
     <p:spTree>
@@ -10871,297 +11522,6 @@
     <p:extLst>
       <p:ext uri="{BB962C8B-B14F-4D97-AF65-F5344CB8AC3E}">
         <p14:creationId xmlns:p14="http://schemas.microsoft.com/office/powerpoint/2010/main" val="737691550"/>
-      </p:ext>
-    </p:extLst>
-  </p:cSld>
-  <p:clrMapOvr>
-    <a:masterClrMapping/>
-  </p:clrMapOvr>
-  <p:timing>
-    <p:tnLst>
-      <p:par>
-        <p:cTn id="1" dur="indefinite" restart="never" nodeType="tmRoot"/>
-      </p:par>
-    </p:tnLst>
-  </p:timing>
-</p:sld>
-</file>
-
-<file path=ppt/slides/slide47.xml><?xml version="1.0" encoding="utf-8"?>
-<p:sld xmlns:a="http://schemas.openxmlformats.org/drawingml/2006/main" xmlns:r="http://schemas.openxmlformats.org/officeDocument/2006/relationships" xmlns:p="http://schemas.openxmlformats.org/presentationml/2006/main">
-  <p:cSld>
-    <p:spTree>
-      <p:nvGrpSpPr>
-        <p:cNvPr id="1" name=""/>
-        <p:cNvGrpSpPr/>
-        <p:nvPr/>
-      </p:nvGrpSpPr>
-      <p:grpSpPr>
-        <a:xfrm>
-          <a:off x="0" y="0"/>
-          <a:ext cx="0" cy="0"/>
-          <a:chOff x="0" y="0"/>
-          <a:chExt cx="0" cy="0"/>
-        </a:xfrm>
-      </p:grpSpPr>
-      <p:sp>
-        <p:nvSpPr>
-          <p:cNvPr id="2" name="Title 1"/>
-          <p:cNvSpPr>
-            <a:spLocks noGrp="1"/>
-          </p:cNvSpPr>
-          <p:nvPr>
-            <p:ph type="title"/>
-          </p:nvPr>
-        </p:nvSpPr>
-        <p:spPr/>
-        <p:txBody>
-          <a:bodyPr/>
-          <a:lstStyle/>
-          <a:p>
-            <a:r>
-              <a:rPr lang="en-US" dirty="0" err="1"/>
-              <a:t>Burndown</a:t>
-            </a:r>
-            <a:r>
-              <a:rPr lang="en-US" dirty="0"/>
-              <a:t> Chart (</a:t>
-            </a:r>
-            <a:r>
-              <a:rPr lang="en-US" dirty="0" err="1"/>
-              <a:t>cont</a:t>
-            </a:r>
-            <a:r>
-              <a:rPr lang="en-US" dirty="0"/>
-              <a:t>)</a:t>
-            </a:r>
-          </a:p>
-        </p:txBody>
-      </p:sp>
-      <p:pic>
-        <p:nvPicPr>
-          <p:cNvPr id="4" name="Content Placeholder 3"/>
-          <p:cNvPicPr>
-            <a:picLocks noGrp="1" noChangeAspect="1"/>
-          </p:cNvPicPr>
-          <p:nvPr>
-            <p:ph idx="1"/>
-          </p:nvPr>
-        </p:nvPicPr>
-        <p:blipFill>
-          <a:blip r:embed="rId2">
-            <a:extLst>
-              <a:ext uri="{28A0092B-C50C-407E-A947-70E740481C1C}">
-                <a14:useLocalDpi xmlns:a14="http://schemas.microsoft.com/office/drawing/2010/main" val="0"/>
-              </a:ext>
-            </a:extLst>
-          </a:blip>
-          <a:stretch>
-            <a:fillRect/>
-          </a:stretch>
-        </p:blipFill>
-        <p:spPr>
-          <a:xfrm>
-            <a:off x="2481130" y="1846263"/>
-            <a:ext cx="7290065" cy="4022725"/>
-          </a:xfrm>
-        </p:spPr>
-      </p:pic>
-    </p:spTree>
-    <p:extLst>
-      <p:ext uri="{BB962C8B-B14F-4D97-AF65-F5344CB8AC3E}">
-        <p14:creationId xmlns:p14="http://schemas.microsoft.com/office/powerpoint/2010/main" val="958786719"/>
-      </p:ext>
-    </p:extLst>
-  </p:cSld>
-  <p:clrMapOvr>
-    <a:masterClrMapping/>
-  </p:clrMapOvr>
-  <p:timing>
-    <p:tnLst>
-      <p:par>
-        <p:cTn id="1" dur="indefinite" restart="never" nodeType="tmRoot"/>
-      </p:par>
-    </p:tnLst>
-  </p:timing>
-</p:sld>
-</file>
-
-<file path=ppt/slides/slide48.xml><?xml version="1.0" encoding="utf-8"?>
-<p:sld xmlns:a="http://schemas.openxmlformats.org/drawingml/2006/main" xmlns:r="http://schemas.openxmlformats.org/officeDocument/2006/relationships" xmlns:p="http://schemas.openxmlformats.org/presentationml/2006/main">
-  <p:cSld>
-    <p:spTree>
-      <p:nvGrpSpPr>
-        <p:cNvPr id="1" name=""/>
-        <p:cNvGrpSpPr/>
-        <p:nvPr/>
-      </p:nvGrpSpPr>
-      <p:grpSpPr>
-        <a:xfrm>
-          <a:off x="0" y="0"/>
-          <a:ext cx="0" cy="0"/>
-          <a:chOff x="0" y="0"/>
-          <a:chExt cx="0" cy="0"/>
-        </a:xfrm>
-      </p:grpSpPr>
-      <p:sp>
-        <p:nvSpPr>
-          <p:cNvPr id="2" name="Title 1"/>
-          <p:cNvSpPr>
-            <a:spLocks noGrp="1"/>
-          </p:cNvSpPr>
-          <p:nvPr>
-            <p:ph type="title"/>
-          </p:nvPr>
-        </p:nvSpPr>
-        <p:spPr/>
-        <p:txBody>
-          <a:bodyPr/>
-          <a:lstStyle/>
-          <a:p>
-            <a:r>
-              <a:rPr lang="en-US" dirty="0" err="1"/>
-              <a:t>Burndown</a:t>
-            </a:r>
-            <a:r>
-              <a:rPr lang="en-US" dirty="0"/>
-              <a:t> Chart (</a:t>
-            </a:r>
-            <a:r>
-              <a:rPr lang="en-US" dirty="0" err="1"/>
-              <a:t>cont</a:t>
-            </a:r>
-            <a:r>
-              <a:rPr lang="en-US" dirty="0"/>
-              <a:t>)</a:t>
-            </a:r>
-          </a:p>
-        </p:txBody>
-      </p:sp>
-      <p:pic>
-        <p:nvPicPr>
-          <p:cNvPr id="4" name="Content Placeholder 3"/>
-          <p:cNvPicPr>
-            <a:picLocks noGrp="1" noChangeAspect="1"/>
-          </p:cNvPicPr>
-          <p:nvPr>
-            <p:ph idx="1"/>
-          </p:nvPr>
-        </p:nvPicPr>
-        <p:blipFill>
-          <a:blip r:embed="rId2">
-            <a:extLst>
-              <a:ext uri="{28A0092B-C50C-407E-A947-70E740481C1C}">
-                <a14:useLocalDpi xmlns:a14="http://schemas.microsoft.com/office/drawing/2010/main" val="0"/>
-              </a:ext>
-            </a:extLst>
-          </a:blip>
-          <a:stretch>
-            <a:fillRect/>
-          </a:stretch>
-        </p:blipFill>
-        <p:spPr>
-          <a:xfrm>
-            <a:off x="2560832" y="1846263"/>
-            <a:ext cx="7130661" cy="4022725"/>
-          </a:xfrm>
-        </p:spPr>
-      </p:pic>
-    </p:spTree>
-    <p:extLst>
-      <p:ext uri="{BB962C8B-B14F-4D97-AF65-F5344CB8AC3E}">
-        <p14:creationId xmlns:p14="http://schemas.microsoft.com/office/powerpoint/2010/main" val="1758582792"/>
-      </p:ext>
-    </p:extLst>
-  </p:cSld>
-  <p:clrMapOvr>
-    <a:masterClrMapping/>
-  </p:clrMapOvr>
-  <p:timing>
-    <p:tnLst>
-      <p:par>
-        <p:cTn id="1" dur="indefinite" restart="never" nodeType="tmRoot"/>
-      </p:par>
-    </p:tnLst>
-  </p:timing>
-</p:sld>
-</file>
-
-<file path=ppt/slides/slide49.xml><?xml version="1.0" encoding="utf-8"?>
-<p:sld xmlns:a="http://schemas.openxmlformats.org/drawingml/2006/main" xmlns:r="http://schemas.openxmlformats.org/officeDocument/2006/relationships" xmlns:p="http://schemas.openxmlformats.org/presentationml/2006/main">
-  <p:cSld>
-    <p:spTree>
-      <p:nvGrpSpPr>
-        <p:cNvPr id="1" name=""/>
-        <p:cNvGrpSpPr/>
-        <p:nvPr/>
-      </p:nvGrpSpPr>
-      <p:grpSpPr>
-        <a:xfrm>
-          <a:off x="0" y="0"/>
-          <a:ext cx="0" cy="0"/>
-          <a:chOff x="0" y="0"/>
-          <a:chExt cx="0" cy="0"/>
-        </a:xfrm>
-      </p:grpSpPr>
-      <p:sp>
-        <p:nvSpPr>
-          <p:cNvPr id="2" name="Title 1"/>
-          <p:cNvSpPr>
-            <a:spLocks noGrp="1"/>
-          </p:cNvSpPr>
-          <p:nvPr>
-            <p:ph type="title"/>
-          </p:nvPr>
-        </p:nvSpPr>
-        <p:spPr/>
-        <p:txBody>
-          <a:bodyPr/>
-          <a:lstStyle/>
-          <a:p>
-            <a:r>
-              <a:rPr lang="en-US" dirty="0" smtClean="0"/>
-              <a:t>Daily Meeting</a:t>
-            </a:r>
-            <a:endParaRPr lang="en-US" dirty="0"/>
-          </a:p>
-        </p:txBody>
-      </p:sp>
-      <p:sp>
-        <p:nvSpPr>
-          <p:cNvPr id="3" name="Content Placeholder 2"/>
-          <p:cNvSpPr>
-            <a:spLocks noGrp="1"/>
-          </p:cNvSpPr>
-          <p:nvPr>
-            <p:ph idx="1"/>
-          </p:nvPr>
-        </p:nvSpPr>
-        <p:spPr/>
-        <p:txBody>
-          <a:bodyPr/>
-          <a:lstStyle/>
-          <a:p>
-            <a:r>
-              <a:rPr lang="en-US" dirty="0" smtClean="0"/>
-              <a:t>From day: 6/3/2017 – 31/3/2017</a:t>
-            </a:r>
-          </a:p>
-          <a:p>
-            <a:r>
-              <a:rPr lang="en-US" dirty="0" smtClean="0"/>
-              <a:t>Total meetings minutes: 380 minutes</a:t>
-            </a:r>
-          </a:p>
-          <a:p>
-            <a:endParaRPr lang="en-US" dirty="0" smtClean="0"/>
-          </a:p>
-        </p:txBody>
-      </p:sp>
-    </p:spTree>
-    <p:extLst>
-      <p:ext uri="{BB962C8B-B14F-4D97-AF65-F5344CB8AC3E}">
-        <p14:creationId xmlns:p14="http://schemas.microsoft.com/office/powerpoint/2010/main" val="683551483"/>
       </p:ext>
     </p:extLst>
   </p:cSld>
@@ -11300,6 +11660,297 @@
           <a:lstStyle/>
           <a:p>
             <a:r>
+              <a:rPr lang="en-US" dirty="0" err="1"/>
+              <a:t>Burndown</a:t>
+            </a:r>
+            <a:r>
+              <a:rPr lang="en-US" dirty="0"/>
+              <a:t> Chart (</a:t>
+            </a:r>
+            <a:r>
+              <a:rPr lang="en-US" dirty="0" err="1"/>
+              <a:t>cont</a:t>
+            </a:r>
+            <a:r>
+              <a:rPr lang="en-US" dirty="0"/>
+              <a:t>)</a:t>
+            </a:r>
+          </a:p>
+        </p:txBody>
+      </p:sp>
+      <p:pic>
+        <p:nvPicPr>
+          <p:cNvPr id="4" name="Content Placeholder 3"/>
+          <p:cNvPicPr>
+            <a:picLocks noGrp="1" noChangeAspect="1"/>
+          </p:cNvPicPr>
+          <p:nvPr>
+            <p:ph idx="1"/>
+          </p:nvPr>
+        </p:nvPicPr>
+        <p:blipFill>
+          <a:blip r:embed="rId2">
+            <a:extLst>
+              <a:ext uri="{28A0092B-C50C-407E-A947-70E740481C1C}">
+                <a14:useLocalDpi xmlns:a14="http://schemas.microsoft.com/office/drawing/2010/main" val="0"/>
+              </a:ext>
+            </a:extLst>
+          </a:blip>
+          <a:stretch>
+            <a:fillRect/>
+          </a:stretch>
+        </p:blipFill>
+        <p:spPr>
+          <a:xfrm>
+            <a:off x="2481130" y="1846263"/>
+            <a:ext cx="7290065" cy="4022725"/>
+          </a:xfrm>
+        </p:spPr>
+      </p:pic>
+    </p:spTree>
+    <p:extLst>
+      <p:ext uri="{BB962C8B-B14F-4D97-AF65-F5344CB8AC3E}">
+        <p14:creationId xmlns:p14="http://schemas.microsoft.com/office/powerpoint/2010/main" val="958786719"/>
+      </p:ext>
+    </p:extLst>
+  </p:cSld>
+  <p:clrMapOvr>
+    <a:masterClrMapping/>
+  </p:clrMapOvr>
+  <p:timing>
+    <p:tnLst>
+      <p:par>
+        <p:cTn id="1" dur="indefinite" restart="never" nodeType="tmRoot"/>
+      </p:par>
+    </p:tnLst>
+  </p:timing>
+</p:sld>
+</file>
+
+<file path=ppt/slides/slide51.xml><?xml version="1.0" encoding="utf-8"?>
+<p:sld xmlns:a="http://schemas.openxmlformats.org/drawingml/2006/main" xmlns:r="http://schemas.openxmlformats.org/officeDocument/2006/relationships" xmlns:p="http://schemas.openxmlformats.org/presentationml/2006/main">
+  <p:cSld>
+    <p:spTree>
+      <p:nvGrpSpPr>
+        <p:cNvPr id="1" name=""/>
+        <p:cNvGrpSpPr/>
+        <p:nvPr/>
+      </p:nvGrpSpPr>
+      <p:grpSpPr>
+        <a:xfrm>
+          <a:off x="0" y="0"/>
+          <a:ext cx="0" cy="0"/>
+          <a:chOff x="0" y="0"/>
+          <a:chExt cx="0" cy="0"/>
+        </a:xfrm>
+      </p:grpSpPr>
+      <p:sp>
+        <p:nvSpPr>
+          <p:cNvPr id="2" name="Title 1"/>
+          <p:cNvSpPr>
+            <a:spLocks noGrp="1"/>
+          </p:cNvSpPr>
+          <p:nvPr>
+            <p:ph type="title"/>
+          </p:nvPr>
+        </p:nvSpPr>
+        <p:spPr/>
+        <p:txBody>
+          <a:bodyPr/>
+          <a:lstStyle/>
+          <a:p>
+            <a:r>
+              <a:rPr lang="en-US" dirty="0" err="1"/>
+              <a:t>Burndown</a:t>
+            </a:r>
+            <a:r>
+              <a:rPr lang="en-US" dirty="0"/>
+              <a:t> Chart (</a:t>
+            </a:r>
+            <a:r>
+              <a:rPr lang="en-US" dirty="0" err="1"/>
+              <a:t>cont</a:t>
+            </a:r>
+            <a:r>
+              <a:rPr lang="en-US" dirty="0"/>
+              <a:t>)</a:t>
+            </a:r>
+          </a:p>
+        </p:txBody>
+      </p:sp>
+      <p:pic>
+        <p:nvPicPr>
+          <p:cNvPr id="4" name="Content Placeholder 3"/>
+          <p:cNvPicPr>
+            <a:picLocks noGrp="1" noChangeAspect="1"/>
+          </p:cNvPicPr>
+          <p:nvPr>
+            <p:ph idx="1"/>
+          </p:nvPr>
+        </p:nvPicPr>
+        <p:blipFill>
+          <a:blip r:embed="rId2">
+            <a:extLst>
+              <a:ext uri="{28A0092B-C50C-407E-A947-70E740481C1C}">
+                <a14:useLocalDpi xmlns:a14="http://schemas.microsoft.com/office/drawing/2010/main" val="0"/>
+              </a:ext>
+            </a:extLst>
+          </a:blip>
+          <a:stretch>
+            <a:fillRect/>
+          </a:stretch>
+        </p:blipFill>
+        <p:spPr>
+          <a:xfrm>
+            <a:off x="2560832" y="1846263"/>
+            <a:ext cx="7130661" cy="4022725"/>
+          </a:xfrm>
+        </p:spPr>
+      </p:pic>
+    </p:spTree>
+    <p:extLst>
+      <p:ext uri="{BB962C8B-B14F-4D97-AF65-F5344CB8AC3E}">
+        <p14:creationId xmlns:p14="http://schemas.microsoft.com/office/powerpoint/2010/main" val="1758582792"/>
+      </p:ext>
+    </p:extLst>
+  </p:cSld>
+  <p:clrMapOvr>
+    <a:masterClrMapping/>
+  </p:clrMapOvr>
+  <p:timing>
+    <p:tnLst>
+      <p:par>
+        <p:cTn id="1" dur="indefinite" restart="never" nodeType="tmRoot"/>
+      </p:par>
+    </p:tnLst>
+  </p:timing>
+</p:sld>
+</file>
+
+<file path=ppt/slides/slide52.xml><?xml version="1.0" encoding="utf-8"?>
+<p:sld xmlns:a="http://schemas.openxmlformats.org/drawingml/2006/main" xmlns:r="http://schemas.openxmlformats.org/officeDocument/2006/relationships" xmlns:p="http://schemas.openxmlformats.org/presentationml/2006/main">
+  <p:cSld>
+    <p:spTree>
+      <p:nvGrpSpPr>
+        <p:cNvPr id="1" name=""/>
+        <p:cNvGrpSpPr/>
+        <p:nvPr/>
+      </p:nvGrpSpPr>
+      <p:grpSpPr>
+        <a:xfrm>
+          <a:off x="0" y="0"/>
+          <a:ext cx="0" cy="0"/>
+          <a:chOff x="0" y="0"/>
+          <a:chExt cx="0" cy="0"/>
+        </a:xfrm>
+      </p:grpSpPr>
+      <p:sp>
+        <p:nvSpPr>
+          <p:cNvPr id="2" name="Title 1"/>
+          <p:cNvSpPr>
+            <a:spLocks noGrp="1"/>
+          </p:cNvSpPr>
+          <p:nvPr>
+            <p:ph type="title"/>
+          </p:nvPr>
+        </p:nvSpPr>
+        <p:spPr/>
+        <p:txBody>
+          <a:bodyPr/>
+          <a:lstStyle/>
+          <a:p>
+            <a:r>
+              <a:rPr lang="en-US" dirty="0" smtClean="0"/>
+              <a:t>Daily Meeting</a:t>
+            </a:r>
+            <a:endParaRPr lang="en-US" dirty="0"/>
+          </a:p>
+        </p:txBody>
+      </p:sp>
+      <p:sp>
+        <p:nvSpPr>
+          <p:cNvPr id="3" name="Content Placeholder 2"/>
+          <p:cNvSpPr>
+            <a:spLocks noGrp="1"/>
+          </p:cNvSpPr>
+          <p:nvPr>
+            <p:ph idx="1"/>
+          </p:nvPr>
+        </p:nvSpPr>
+        <p:spPr/>
+        <p:txBody>
+          <a:bodyPr/>
+          <a:lstStyle/>
+          <a:p>
+            <a:r>
+              <a:rPr lang="en-US" dirty="0" smtClean="0"/>
+              <a:t>From day: 6/3/2017 – 31/3/2017</a:t>
+            </a:r>
+          </a:p>
+          <a:p>
+            <a:r>
+              <a:rPr lang="en-US" dirty="0" smtClean="0"/>
+              <a:t>Total meetings minutes: 380 minutes</a:t>
+            </a:r>
+          </a:p>
+          <a:p>
+            <a:endParaRPr lang="en-US" dirty="0" smtClean="0"/>
+          </a:p>
+        </p:txBody>
+      </p:sp>
+    </p:spTree>
+    <p:extLst>
+      <p:ext uri="{BB962C8B-B14F-4D97-AF65-F5344CB8AC3E}">
+        <p14:creationId xmlns:p14="http://schemas.microsoft.com/office/powerpoint/2010/main" val="683551483"/>
+      </p:ext>
+    </p:extLst>
+  </p:cSld>
+  <p:clrMapOvr>
+    <a:masterClrMapping/>
+  </p:clrMapOvr>
+  <p:timing>
+    <p:tnLst>
+      <p:par>
+        <p:cTn id="1" dur="indefinite" restart="never" nodeType="tmRoot"/>
+      </p:par>
+    </p:tnLst>
+  </p:timing>
+</p:sld>
+</file>
+
+<file path=ppt/slides/slide53.xml><?xml version="1.0" encoding="utf-8"?>
+<p:sld xmlns:a="http://schemas.openxmlformats.org/drawingml/2006/main" xmlns:r="http://schemas.openxmlformats.org/officeDocument/2006/relationships" xmlns:p="http://schemas.openxmlformats.org/presentationml/2006/main">
+  <p:cSld>
+    <p:spTree>
+      <p:nvGrpSpPr>
+        <p:cNvPr id="1" name=""/>
+        <p:cNvGrpSpPr/>
+        <p:nvPr/>
+      </p:nvGrpSpPr>
+      <p:grpSpPr>
+        <a:xfrm>
+          <a:off x="0" y="0"/>
+          <a:ext cx="0" cy="0"/>
+          <a:chOff x="0" y="0"/>
+          <a:chExt cx="0" cy="0"/>
+        </a:xfrm>
+      </p:grpSpPr>
+      <p:sp>
+        <p:nvSpPr>
+          <p:cNvPr id="2" name="Title 1"/>
+          <p:cNvSpPr>
+            <a:spLocks noGrp="1"/>
+          </p:cNvSpPr>
+          <p:nvPr>
+            <p:ph type="title"/>
+          </p:nvPr>
+        </p:nvSpPr>
+        <p:spPr/>
+        <p:txBody>
+          <a:bodyPr/>
+          <a:lstStyle/>
+          <a:p>
+            <a:r>
               <a:rPr lang="en-US" dirty="0" smtClean="0"/>
               <a:t>Daily meeting Logs(demo)</a:t>
             </a:r>
@@ -11356,7 +12007,7 @@
 </p:sld>
 </file>
 
-<file path=ppt/slides/slide51.xml><?xml version="1.0" encoding="utf-8"?>
+<file path=ppt/slides/slide54.xml><?xml version="1.0" encoding="utf-8"?>
 <p:sld xmlns:a="http://schemas.openxmlformats.org/drawingml/2006/main" xmlns:r="http://schemas.openxmlformats.org/officeDocument/2006/relationships" xmlns:p="http://schemas.openxmlformats.org/presentationml/2006/main">
   <p:cSld>
     <p:spTree>
@@ -11490,7 +12141,7 @@
 </p:sld>
 </file>
 
-<file path=ppt/slides/slide52.xml><?xml version="1.0" encoding="utf-8"?>
+<file path=ppt/slides/slide55.xml><?xml version="1.0" encoding="utf-8"?>
 <p:sld xmlns:a="http://schemas.openxmlformats.org/drawingml/2006/main" xmlns:r="http://schemas.openxmlformats.org/officeDocument/2006/relationships" xmlns:p="http://schemas.openxmlformats.org/presentationml/2006/main">
   <p:cSld>
     <p:spTree>
@@ -11642,7 +12293,7 @@
 </p:sld>
 </file>
 
-<file path=ppt/slides/slide53.xml><?xml version="1.0" encoding="utf-8"?>
+<file path=ppt/slides/slide56.xml><?xml version="1.0" encoding="utf-8"?>
 <p:sld xmlns:a="http://schemas.openxmlformats.org/drawingml/2006/main" xmlns:r="http://schemas.openxmlformats.org/officeDocument/2006/relationships" xmlns:p="http://schemas.openxmlformats.org/presentationml/2006/main">
   <p:cSld>
     <p:spTree>
@@ -11905,482 +12556,6 @@
 </p:sld>
 </file>
 
-<file path=ppt/slides/slide54.xml><?xml version="1.0" encoding="utf-8"?>
-<p:sld xmlns:a="http://schemas.openxmlformats.org/drawingml/2006/main" xmlns:r="http://schemas.openxmlformats.org/officeDocument/2006/relationships" xmlns:p="http://schemas.openxmlformats.org/presentationml/2006/main">
-  <p:cSld>
-    <p:spTree>
-      <p:nvGrpSpPr>
-        <p:cNvPr id="1" name=""/>
-        <p:cNvGrpSpPr/>
-        <p:nvPr/>
-      </p:nvGrpSpPr>
-      <p:grpSpPr>
-        <a:xfrm>
-          <a:off x="0" y="0"/>
-          <a:ext cx="0" cy="0"/>
-          <a:chOff x="0" y="0"/>
-          <a:chExt cx="0" cy="0"/>
-        </a:xfrm>
-      </p:grpSpPr>
-      <p:sp>
-        <p:nvSpPr>
-          <p:cNvPr id="2" name="Title 1"/>
-          <p:cNvSpPr>
-            <a:spLocks noGrp="1"/>
-          </p:cNvSpPr>
-          <p:nvPr>
-            <p:ph type="title"/>
-          </p:nvPr>
-        </p:nvSpPr>
-        <p:spPr/>
-        <p:txBody>
-          <a:bodyPr/>
-          <a:lstStyle/>
-          <a:p>
-            <a:r>
-              <a:rPr lang="en-US" dirty="0" smtClean="0"/>
-              <a:t>Demo 1: </a:t>
-            </a:r>
-            <a:r>
-              <a:rPr lang="en-US" dirty="0"/>
-              <a:t>all system features (cont.)</a:t>
-            </a:r>
-          </a:p>
-        </p:txBody>
-      </p:sp>
-      <p:sp>
-        <p:nvSpPr>
-          <p:cNvPr id="3" name="Content Placeholder 2"/>
-          <p:cNvSpPr>
-            <a:spLocks noGrp="1"/>
-          </p:cNvSpPr>
-          <p:nvPr>
-            <p:ph idx="1"/>
-          </p:nvPr>
-        </p:nvSpPr>
-        <p:spPr/>
-        <p:txBody>
-          <a:bodyPr>
-            <a:normAutofit/>
-          </a:bodyPr>
-          <a:lstStyle/>
-          <a:p>
-            <a:pPr marL="0" indent="-292608">
-              <a:buFont typeface="Wingdings" charset="2"/>
-              <a:buChar char="Ø"/>
-            </a:pPr>
-            <a:r>
-              <a:rPr lang="en-US" sz="2600" dirty="0" smtClean="0">
-                <a:solidFill>
-                  <a:schemeClr val="tx1"/>
-                </a:solidFill>
-              </a:rPr>
-              <a:t>Admin </a:t>
-            </a:r>
-            <a:r>
-              <a:rPr lang="en-US" sz="2600" dirty="0">
-                <a:solidFill>
-                  <a:schemeClr val="tx1"/>
-                </a:solidFill>
-              </a:rPr>
-              <a:t>manages account of Users</a:t>
-            </a:r>
-          </a:p>
-          <a:p>
-            <a:pPr>
-              <a:buFont typeface="Wingdings" charset="2"/>
-              <a:buChar char="Ø"/>
-            </a:pPr>
-            <a:r>
-              <a:rPr lang="en-US" sz="2600" dirty="0">
-                <a:solidFill>
-                  <a:schemeClr val="tx1"/>
-                </a:solidFill>
-              </a:rPr>
-              <a:t>Admin manages system data</a:t>
-            </a:r>
-          </a:p>
-          <a:p>
-            <a:pPr>
-              <a:buFont typeface="Wingdings" charset="2"/>
-              <a:buChar char="Ø"/>
-            </a:pPr>
-            <a:r>
-              <a:rPr lang="en-US" sz="2600" dirty="0" smtClean="0">
-                <a:solidFill>
-                  <a:schemeClr val="tx1"/>
-                </a:solidFill>
-              </a:rPr>
-              <a:t>Admin </a:t>
-            </a:r>
-            <a:r>
-              <a:rPr lang="en-US" sz="2600" dirty="0">
-                <a:solidFill>
-                  <a:schemeClr val="tx1"/>
-                </a:solidFill>
-              </a:rPr>
-              <a:t>views all claims in the system for each years</a:t>
-            </a:r>
-          </a:p>
-          <a:p>
-            <a:pPr>
-              <a:buFont typeface="Wingdings" charset="2"/>
-              <a:buChar char="Ø"/>
-            </a:pPr>
-            <a:r>
-              <a:rPr lang="en-US" sz="2600" dirty="0">
-                <a:solidFill>
-                  <a:schemeClr val="tx1"/>
-                </a:solidFill>
-              </a:rPr>
-              <a:t>Admin views items of assessment</a:t>
-            </a:r>
-          </a:p>
-          <a:p>
-            <a:pPr>
-              <a:buFont typeface="Wingdings" charset="2"/>
-              <a:buChar char="Ø"/>
-            </a:pPr>
-            <a:r>
-              <a:rPr lang="en-US" sz="2600" dirty="0">
-                <a:solidFill>
-                  <a:schemeClr val="tx1"/>
-                </a:solidFill>
-              </a:rPr>
-              <a:t>Admin sets up closure date of </a:t>
-            </a:r>
-            <a:r>
-              <a:rPr lang="en-US" sz="2600" dirty="0" smtClean="0">
-                <a:solidFill>
-                  <a:schemeClr val="tx1"/>
-                </a:solidFill>
-              </a:rPr>
-              <a:t>claims</a:t>
-            </a:r>
-            <a:endParaRPr lang="en-US" sz="2600" dirty="0">
-              <a:solidFill>
-                <a:schemeClr val="tx1"/>
-              </a:solidFill>
-            </a:endParaRPr>
-          </a:p>
-          <a:p>
-            <a:pPr>
-              <a:buFont typeface="Wingdings" charset="2"/>
-              <a:buChar char="Ø"/>
-            </a:pPr>
-            <a:r>
-              <a:rPr lang="en-US" sz="2600" dirty="0">
-                <a:solidFill>
-                  <a:schemeClr val="tx1"/>
-                </a:solidFill>
-              </a:rPr>
-              <a:t>Admin sets up closure date of </a:t>
-            </a:r>
-            <a:r>
-              <a:rPr lang="en-US" sz="2600" dirty="0" smtClean="0">
-                <a:solidFill>
-                  <a:schemeClr val="tx1"/>
-                </a:solidFill>
-              </a:rPr>
-              <a:t>items</a:t>
-            </a:r>
-          </a:p>
-          <a:p>
-            <a:pPr>
-              <a:buFont typeface="Wingdings" charset="2"/>
-              <a:buChar char="Ø"/>
-            </a:pPr>
-            <a:r>
-              <a:rPr lang="en-US" sz="2600" dirty="0" smtClean="0">
-                <a:solidFill>
-                  <a:schemeClr val="tx1"/>
-                </a:solidFill>
-              </a:rPr>
-              <a:t>User accesses website online</a:t>
-            </a:r>
-            <a:endParaRPr lang="en-US" sz="2600" dirty="0">
-              <a:solidFill>
-                <a:schemeClr val="tx1"/>
-              </a:solidFill>
-            </a:endParaRPr>
-          </a:p>
-          <a:p>
-            <a:pPr>
-              <a:buFont typeface="Wingdings" charset="2"/>
-              <a:buChar char="Ø"/>
-            </a:pPr>
-            <a:endParaRPr lang="en-US" dirty="0" smtClean="0"/>
-          </a:p>
-          <a:p>
-            <a:pPr>
-              <a:buFont typeface="Wingdings" charset="2"/>
-              <a:buChar char="Ø"/>
-            </a:pPr>
-            <a:endParaRPr lang="en-US" dirty="0"/>
-          </a:p>
-        </p:txBody>
-      </p:sp>
-    </p:spTree>
-    <p:extLst>
-      <p:ext uri="{BB962C8B-B14F-4D97-AF65-F5344CB8AC3E}">
-        <p14:creationId xmlns:p14="http://schemas.microsoft.com/office/powerpoint/2010/main" val="1963626366"/>
-      </p:ext>
-    </p:extLst>
-  </p:cSld>
-  <p:clrMapOvr>
-    <a:masterClrMapping/>
-  </p:clrMapOvr>
-</p:sld>
-</file>
-
-<file path=ppt/slides/slide55.xml><?xml version="1.0" encoding="utf-8"?>
-<p:sld xmlns:a="http://schemas.openxmlformats.org/drawingml/2006/main" xmlns:r="http://schemas.openxmlformats.org/officeDocument/2006/relationships" xmlns:p="http://schemas.openxmlformats.org/presentationml/2006/main">
-  <p:cSld>
-    <p:spTree>
-      <p:nvGrpSpPr>
-        <p:cNvPr id="1" name=""/>
-        <p:cNvGrpSpPr/>
-        <p:nvPr/>
-      </p:nvGrpSpPr>
-      <p:grpSpPr>
-        <a:xfrm>
-          <a:off x="0" y="0"/>
-          <a:ext cx="0" cy="0"/>
-          <a:chOff x="0" y="0"/>
-          <a:chExt cx="0" cy="0"/>
-        </a:xfrm>
-      </p:grpSpPr>
-      <p:sp>
-        <p:nvSpPr>
-          <p:cNvPr id="2" name="Title 1"/>
-          <p:cNvSpPr>
-            <a:spLocks noGrp="1"/>
-          </p:cNvSpPr>
-          <p:nvPr>
-            <p:ph type="title"/>
-          </p:nvPr>
-        </p:nvSpPr>
-        <p:spPr/>
-        <p:txBody>
-          <a:bodyPr/>
-          <a:lstStyle/>
-          <a:p>
-            <a:r>
-              <a:rPr lang="en-US" dirty="0" smtClean="0"/>
-              <a:t>Demo 2: data validation (form)</a:t>
-            </a:r>
-            <a:endParaRPr lang="en-US" dirty="0"/>
-          </a:p>
-        </p:txBody>
-      </p:sp>
-      <p:sp>
-        <p:nvSpPr>
-          <p:cNvPr id="3" name="Content Placeholder 2"/>
-          <p:cNvSpPr>
-            <a:spLocks noGrp="1"/>
-          </p:cNvSpPr>
-          <p:nvPr>
-            <p:ph idx="1"/>
-          </p:nvPr>
-        </p:nvSpPr>
-        <p:spPr/>
-        <p:txBody>
-          <a:bodyPr/>
-          <a:lstStyle/>
-          <a:p>
-            <a:pPr>
-              <a:buFont typeface="Wingdings" charset="2"/>
-              <a:buChar char="Ø"/>
-            </a:pPr>
-            <a:r>
-              <a:rPr lang="en-US" sz="3000" dirty="0"/>
-              <a:t>Text </a:t>
-            </a:r>
-            <a:r>
-              <a:rPr lang="en-US" sz="3000" dirty="0" smtClean="0"/>
-              <a:t>validation (title, content, name, username, code</a:t>
-            </a:r>
-            <a:r>
-              <a:rPr lang="mr-IN" sz="3000" dirty="0" smtClean="0"/>
-              <a:t>…</a:t>
-            </a:r>
-            <a:r>
-              <a:rPr lang="en-US" sz="3000" dirty="0" smtClean="0"/>
-              <a:t>)</a:t>
-            </a:r>
-            <a:endParaRPr lang="en-US" sz="3000" dirty="0"/>
-          </a:p>
-          <a:p>
-            <a:pPr>
-              <a:buFont typeface="Wingdings" charset="2"/>
-              <a:buChar char="Ø"/>
-            </a:pPr>
-            <a:r>
-              <a:rPr lang="en-US" sz="3000" dirty="0"/>
-              <a:t>Date </a:t>
-            </a:r>
-            <a:r>
-              <a:rPr lang="en-US" sz="3000" dirty="0" smtClean="0"/>
-              <a:t>validation (closure date)</a:t>
-            </a:r>
-          </a:p>
-          <a:p>
-            <a:pPr>
-              <a:buFont typeface="Wingdings" charset="2"/>
-              <a:buChar char="Ø"/>
-            </a:pPr>
-            <a:r>
-              <a:rPr lang="en-US" sz="3000" dirty="0" smtClean="0"/>
-              <a:t>File validation (upload file)</a:t>
-            </a:r>
-            <a:endParaRPr lang="en-US" sz="3000" dirty="0"/>
-          </a:p>
-        </p:txBody>
-      </p:sp>
-    </p:spTree>
-    <p:extLst>
-      <p:ext uri="{BB962C8B-B14F-4D97-AF65-F5344CB8AC3E}">
-        <p14:creationId xmlns:p14="http://schemas.microsoft.com/office/powerpoint/2010/main" val="756852199"/>
-      </p:ext>
-    </p:extLst>
-  </p:cSld>
-  <p:clrMapOvr>
-    <a:masterClrMapping/>
-  </p:clrMapOvr>
-</p:sld>
-</file>
-
-<file path=ppt/slides/slide56.xml><?xml version="1.0" encoding="utf-8"?>
-<p:sld xmlns:a="http://schemas.openxmlformats.org/drawingml/2006/main" xmlns:r="http://schemas.openxmlformats.org/officeDocument/2006/relationships" xmlns:p="http://schemas.openxmlformats.org/presentationml/2006/main">
-  <p:cSld>
-    <p:spTree>
-      <p:nvGrpSpPr>
-        <p:cNvPr id="1" name=""/>
-        <p:cNvGrpSpPr/>
-        <p:nvPr/>
-      </p:nvGrpSpPr>
-      <p:grpSpPr>
-        <a:xfrm>
-          <a:off x="0" y="0"/>
-          <a:ext cx="0" cy="0"/>
-          <a:chOff x="0" y="0"/>
-          <a:chExt cx="0" cy="0"/>
-        </a:xfrm>
-      </p:grpSpPr>
-      <p:sp>
-        <p:nvSpPr>
-          <p:cNvPr id="2" name="Title 1"/>
-          <p:cNvSpPr>
-            <a:spLocks noGrp="1"/>
-          </p:cNvSpPr>
-          <p:nvPr>
-            <p:ph type="title"/>
-          </p:nvPr>
-        </p:nvSpPr>
-        <p:spPr/>
-        <p:txBody>
-          <a:bodyPr/>
-          <a:lstStyle/>
-          <a:p>
-            <a:r>
-              <a:rPr lang="en-US" dirty="0" smtClean="0"/>
-              <a:t>Demo 3: date-time relations </a:t>
-            </a:r>
-            <a:endParaRPr lang="en-US" dirty="0"/>
-          </a:p>
-        </p:txBody>
-      </p:sp>
-      <p:sp>
-        <p:nvSpPr>
-          <p:cNvPr id="3" name="Content Placeholder 2"/>
-          <p:cNvSpPr>
-            <a:spLocks noGrp="1"/>
-          </p:cNvSpPr>
-          <p:nvPr>
-            <p:ph idx="1"/>
-          </p:nvPr>
-        </p:nvSpPr>
-        <p:spPr/>
-        <p:txBody>
-          <a:bodyPr/>
-          <a:lstStyle/>
-          <a:p>
-            <a:pPr>
-              <a:buFont typeface="Wingdings" charset="2"/>
-              <a:buChar char="Ø"/>
-            </a:pPr>
-            <a:r>
-              <a:rPr lang="en-US" sz="2800" dirty="0" smtClean="0"/>
-              <a:t>Date of claim submissions</a:t>
-            </a:r>
-          </a:p>
-          <a:p>
-            <a:pPr>
-              <a:buFont typeface="Wingdings" charset="2"/>
-              <a:buChar char="Ø"/>
-            </a:pPr>
-            <a:r>
-              <a:rPr lang="en-US" sz="2800" dirty="0" smtClean="0"/>
-              <a:t>Date of evidence submissions</a:t>
-            </a:r>
-          </a:p>
-          <a:p>
-            <a:pPr>
-              <a:buFont typeface="Wingdings" charset="2"/>
-              <a:buChar char="Ø"/>
-            </a:pPr>
-            <a:r>
-              <a:rPr lang="en-US" sz="2800" dirty="0" smtClean="0"/>
-              <a:t>Closure date of claims</a:t>
-            </a:r>
-          </a:p>
-          <a:p>
-            <a:pPr>
-              <a:buFont typeface="Wingdings" charset="2"/>
-              <a:buChar char="Ø"/>
-            </a:pPr>
-            <a:r>
-              <a:rPr lang="en-US" sz="2800" dirty="0"/>
-              <a:t>Closure date of </a:t>
-            </a:r>
-            <a:r>
-              <a:rPr lang="en-US" sz="2800" dirty="0" smtClean="0"/>
-              <a:t>items</a:t>
-            </a:r>
-          </a:p>
-          <a:p>
-            <a:pPr>
-              <a:buFont typeface="Wingdings" charset="2"/>
-              <a:buChar char="Ø"/>
-            </a:pPr>
-            <a:r>
-              <a:rPr lang="en-US" sz="2800" dirty="0" smtClean="0"/>
-              <a:t>Processed date of claims</a:t>
-            </a:r>
-            <a:endParaRPr lang="en-US" sz="2800" dirty="0"/>
-          </a:p>
-          <a:p>
-            <a:pPr>
-              <a:buFont typeface="Wingdings" charset="2"/>
-              <a:buChar char="Ø"/>
-            </a:pPr>
-            <a:endParaRPr lang="en-US" dirty="0"/>
-          </a:p>
-        </p:txBody>
-      </p:sp>
-    </p:spTree>
-    <p:extLst>
-      <p:ext uri="{BB962C8B-B14F-4D97-AF65-F5344CB8AC3E}">
-        <p14:creationId xmlns:p14="http://schemas.microsoft.com/office/powerpoint/2010/main" val="132336000"/>
-      </p:ext>
-    </p:extLst>
-  </p:cSld>
-  <p:clrMapOvr>
-    <a:masterClrMapping/>
-  </p:clrMapOvr>
-</p:sld>
-</file>
-
 <file path=ppt/slides/slide57.xml><?xml version="1.0" encoding="utf-8"?>
 <p:sld xmlns:a="http://schemas.openxmlformats.org/drawingml/2006/main" xmlns:r="http://schemas.openxmlformats.org/officeDocument/2006/relationships" xmlns:p="http://schemas.openxmlformats.org/presentationml/2006/main">
   <p:cSld>
@@ -12415,9 +12590,12 @@
           <a:p>
             <a:r>
               <a:rPr lang="en-US" dirty="0" smtClean="0"/>
-              <a:t>Demo 4: authorization</a:t>
-            </a:r>
-            <a:endParaRPr lang="en-US" dirty="0"/>
+              <a:t>Demo 1: </a:t>
+            </a:r>
+            <a:r>
+              <a:rPr lang="en-US" dirty="0"/>
+              <a:t>all system features (cont.)</a:t>
+            </a:r>
           </a:p>
         </p:txBody>
       </p:sp>
@@ -12433,16 +12611,44 @@
         </p:nvSpPr>
         <p:spPr/>
         <p:txBody>
-          <a:bodyPr/>
-          <a:lstStyle/>
+          <a:bodyPr>
+            <a:normAutofit/>
+          </a:bodyPr>
+          <a:lstStyle/>
+          <a:p>
+            <a:pPr marL="0" indent="-292608">
+              <a:buFont typeface="Wingdings" charset="2"/>
+              <a:buChar char="Ø"/>
+            </a:pPr>
+            <a:r>
+              <a:rPr lang="en-US" sz="2600" dirty="0" smtClean="0">
+                <a:solidFill>
+                  <a:schemeClr val="tx1"/>
+                </a:solidFill>
+              </a:rPr>
+              <a:t>Admin </a:t>
+            </a:r>
+            <a:r>
+              <a:rPr lang="en-US" sz="2600" dirty="0">
+                <a:solidFill>
+                  <a:schemeClr val="tx1"/>
+                </a:solidFill>
+              </a:rPr>
+              <a:t>manages account of Users</a:t>
+            </a:r>
+          </a:p>
           <a:p>
             <a:pPr>
               <a:buFont typeface="Wingdings" charset="2"/>
               <a:buChar char="Ø"/>
             </a:pPr>
             <a:r>
-              <a:rPr lang="en-US" sz="2800" dirty="0" smtClean="0"/>
-              <a:t>List all system roles or authorities</a:t>
+              <a:rPr lang="en-US" sz="2600" dirty="0">
+                <a:solidFill>
+                  <a:schemeClr val="tx1"/>
+                </a:solidFill>
+              </a:rPr>
+              <a:t>Admin manages system data</a:t>
             </a:r>
           </a:p>
           <a:p>
@@ -12451,8 +12657,20 @@
               <a:buChar char="Ø"/>
             </a:pPr>
             <a:r>
-              <a:rPr lang="en-US" sz="2800" dirty="0" smtClean="0"/>
-              <a:t>Authorized areas of each role</a:t>
+              <a:rPr lang="en-US" sz="2600" dirty="0" smtClean="0">
+                <a:solidFill>
+                  <a:schemeClr val="tx1"/>
+                </a:solidFill>
+              </a:rPr>
+              <a:t>Admin </a:t>
+            </a:r>
+            <a:r>
+              <a:rPr lang="en-US" sz="2600" dirty="0">
+                <a:solidFill>
+                  <a:schemeClr val="tx1"/>
+                </a:solidFill>
+              </a:rPr>
+              <a:t>views all claims in the system for each years</a:t>
             </a:r>
           </a:p>
           <a:p>
@@ -12461,8 +12679,12 @@
               <a:buChar char="Ø"/>
             </a:pPr>
             <a:r>
-              <a:rPr lang="en-US" sz="2800" dirty="0" smtClean="0"/>
-              <a:t>Reponses unauthorized messages</a:t>
+              <a:rPr lang="en-US" sz="2600" dirty="0">
+                <a:solidFill>
+                  <a:schemeClr val="tx1"/>
+                </a:solidFill>
+              </a:rPr>
+              <a:t>Admin views items of assessment</a:t>
             </a:r>
           </a:p>
           <a:p>
@@ -12471,14 +12693,74 @@
               <a:buChar char="Ø"/>
             </a:pPr>
             <a:r>
-              <a:rPr lang="en-US" sz="2800" dirty="0"/>
-              <a:t>Reponses </a:t>
-            </a:r>
-            <a:r>
-              <a:rPr lang="en-US" sz="2800" dirty="0" smtClean="0"/>
-              <a:t>not found messages</a:t>
-            </a:r>
-            <a:endParaRPr lang="en-US" sz="2800" dirty="0"/>
+              <a:rPr lang="en-US" sz="2600" dirty="0">
+                <a:solidFill>
+                  <a:schemeClr val="tx1"/>
+                </a:solidFill>
+              </a:rPr>
+              <a:t>Admin sets up closure date of </a:t>
+            </a:r>
+            <a:r>
+              <a:rPr lang="en-US" sz="2600" dirty="0" smtClean="0">
+                <a:solidFill>
+                  <a:schemeClr val="tx1"/>
+                </a:solidFill>
+              </a:rPr>
+              <a:t>claims</a:t>
+            </a:r>
+            <a:endParaRPr lang="en-US" sz="2600" dirty="0">
+              <a:solidFill>
+                <a:schemeClr val="tx1"/>
+              </a:solidFill>
+            </a:endParaRPr>
+          </a:p>
+          <a:p>
+            <a:pPr>
+              <a:buFont typeface="Wingdings" charset="2"/>
+              <a:buChar char="Ø"/>
+            </a:pPr>
+            <a:r>
+              <a:rPr lang="en-US" sz="2600" dirty="0">
+                <a:solidFill>
+                  <a:schemeClr val="tx1"/>
+                </a:solidFill>
+              </a:rPr>
+              <a:t>Admin sets up closure date of </a:t>
+            </a:r>
+            <a:r>
+              <a:rPr lang="en-US" sz="2600" dirty="0" smtClean="0">
+                <a:solidFill>
+                  <a:schemeClr val="tx1"/>
+                </a:solidFill>
+              </a:rPr>
+              <a:t>items</a:t>
+            </a:r>
+          </a:p>
+          <a:p>
+            <a:pPr>
+              <a:buFont typeface="Wingdings" charset="2"/>
+              <a:buChar char="Ø"/>
+            </a:pPr>
+            <a:r>
+              <a:rPr lang="en-US" sz="2600" dirty="0" smtClean="0">
+                <a:solidFill>
+                  <a:schemeClr val="tx1"/>
+                </a:solidFill>
+              </a:rPr>
+              <a:t>User accesses website online</a:t>
+            </a:r>
+            <a:endParaRPr lang="en-US" sz="2600" dirty="0">
+              <a:solidFill>
+                <a:schemeClr val="tx1"/>
+              </a:solidFill>
+            </a:endParaRPr>
+          </a:p>
+          <a:p>
+            <a:pPr>
+              <a:buFont typeface="Wingdings" charset="2"/>
+              <a:buChar char="Ø"/>
+            </a:pPr>
+            <a:endParaRPr lang="en-US" dirty="0" smtClean="0"/>
           </a:p>
           <a:p>
             <a:pPr>
@@ -12492,7 +12774,7 @@
     </p:spTree>
     <p:extLst>
       <p:ext uri="{BB962C8B-B14F-4D97-AF65-F5344CB8AC3E}">
-        <p14:creationId xmlns:p14="http://schemas.microsoft.com/office/powerpoint/2010/main" val="1495225163"/>
+        <p14:creationId xmlns:p14="http://schemas.microsoft.com/office/powerpoint/2010/main" val="1963626366"/>
       </p:ext>
     </p:extLst>
   </p:cSld>
@@ -12536,6 +12818,714 @@
           <a:p>
             <a:r>
               <a:rPr lang="en-US" dirty="0" smtClean="0"/>
+              <a:t>Demo 2: data validation (form)</a:t>
+            </a:r>
+            <a:endParaRPr lang="en-US" dirty="0"/>
+          </a:p>
+        </p:txBody>
+      </p:sp>
+      <p:sp>
+        <p:nvSpPr>
+          <p:cNvPr id="3" name="Content Placeholder 2"/>
+          <p:cNvSpPr>
+            <a:spLocks noGrp="1"/>
+          </p:cNvSpPr>
+          <p:nvPr>
+            <p:ph idx="1"/>
+          </p:nvPr>
+        </p:nvSpPr>
+        <p:spPr/>
+        <p:txBody>
+          <a:bodyPr/>
+          <a:lstStyle/>
+          <a:p>
+            <a:pPr>
+              <a:buFont typeface="Wingdings" charset="2"/>
+              <a:buChar char="Ø"/>
+            </a:pPr>
+            <a:r>
+              <a:rPr lang="en-US" sz="3000" dirty="0"/>
+              <a:t>Text </a:t>
+            </a:r>
+            <a:r>
+              <a:rPr lang="en-US" sz="3000" dirty="0" smtClean="0"/>
+              <a:t>validation (title, content, name, username, code</a:t>
+            </a:r>
+            <a:r>
+              <a:rPr lang="mr-IN" sz="3000" dirty="0" smtClean="0"/>
+              <a:t>…</a:t>
+            </a:r>
+            <a:r>
+              <a:rPr lang="en-US" sz="3000" dirty="0" smtClean="0"/>
+              <a:t>)</a:t>
+            </a:r>
+            <a:endParaRPr lang="en-US" sz="3000" dirty="0"/>
+          </a:p>
+          <a:p>
+            <a:pPr>
+              <a:buFont typeface="Wingdings" charset="2"/>
+              <a:buChar char="Ø"/>
+            </a:pPr>
+            <a:r>
+              <a:rPr lang="en-US" sz="3000" dirty="0"/>
+              <a:t>Date </a:t>
+            </a:r>
+            <a:r>
+              <a:rPr lang="en-US" sz="3000" dirty="0" smtClean="0"/>
+              <a:t>validation (closure date)</a:t>
+            </a:r>
+          </a:p>
+          <a:p>
+            <a:pPr>
+              <a:buFont typeface="Wingdings" charset="2"/>
+              <a:buChar char="Ø"/>
+            </a:pPr>
+            <a:r>
+              <a:rPr lang="en-US" sz="3000" dirty="0" smtClean="0"/>
+              <a:t>File validation (upload file)</a:t>
+            </a:r>
+            <a:endParaRPr lang="en-US" sz="3000" dirty="0"/>
+          </a:p>
+        </p:txBody>
+      </p:sp>
+    </p:spTree>
+    <p:extLst>
+      <p:ext uri="{BB962C8B-B14F-4D97-AF65-F5344CB8AC3E}">
+        <p14:creationId xmlns:p14="http://schemas.microsoft.com/office/powerpoint/2010/main" val="756852199"/>
+      </p:ext>
+    </p:extLst>
+  </p:cSld>
+  <p:clrMapOvr>
+    <a:masterClrMapping/>
+  </p:clrMapOvr>
+</p:sld>
+</file>
+
+<file path=ppt/slides/slide59.xml><?xml version="1.0" encoding="utf-8"?>
+<p:sld xmlns:a="http://schemas.openxmlformats.org/drawingml/2006/main" xmlns:r="http://schemas.openxmlformats.org/officeDocument/2006/relationships" xmlns:p="http://schemas.openxmlformats.org/presentationml/2006/main">
+  <p:cSld>
+    <p:spTree>
+      <p:nvGrpSpPr>
+        <p:cNvPr id="1" name=""/>
+        <p:cNvGrpSpPr/>
+        <p:nvPr/>
+      </p:nvGrpSpPr>
+      <p:grpSpPr>
+        <a:xfrm>
+          <a:off x="0" y="0"/>
+          <a:ext cx="0" cy="0"/>
+          <a:chOff x="0" y="0"/>
+          <a:chExt cx="0" cy="0"/>
+        </a:xfrm>
+      </p:grpSpPr>
+      <p:sp>
+        <p:nvSpPr>
+          <p:cNvPr id="2" name="Title 1"/>
+          <p:cNvSpPr>
+            <a:spLocks noGrp="1"/>
+          </p:cNvSpPr>
+          <p:nvPr>
+            <p:ph type="title"/>
+          </p:nvPr>
+        </p:nvSpPr>
+        <p:spPr/>
+        <p:txBody>
+          <a:bodyPr/>
+          <a:lstStyle/>
+          <a:p>
+            <a:r>
+              <a:rPr lang="en-US" dirty="0" smtClean="0"/>
+              <a:t>Demo 3: date-time relations </a:t>
+            </a:r>
+            <a:endParaRPr lang="en-US" dirty="0"/>
+          </a:p>
+        </p:txBody>
+      </p:sp>
+      <p:sp>
+        <p:nvSpPr>
+          <p:cNvPr id="3" name="Content Placeholder 2"/>
+          <p:cNvSpPr>
+            <a:spLocks noGrp="1"/>
+          </p:cNvSpPr>
+          <p:nvPr>
+            <p:ph idx="1"/>
+          </p:nvPr>
+        </p:nvSpPr>
+        <p:spPr/>
+        <p:txBody>
+          <a:bodyPr/>
+          <a:lstStyle/>
+          <a:p>
+            <a:pPr>
+              <a:buFont typeface="Wingdings" charset="2"/>
+              <a:buChar char="Ø"/>
+            </a:pPr>
+            <a:r>
+              <a:rPr lang="en-US" sz="2800" dirty="0" smtClean="0"/>
+              <a:t>Date of claim submissions</a:t>
+            </a:r>
+          </a:p>
+          <a:p>
+            <a:pPr>
+              <a:buFont typeface="Wingdings" charset="2"/>
+              <a:buChar char="Ø"/>
+            </a:pPr>
+            <a:r>
+              <a:rPr lang="en-US" sz="2800" dirty="0" smtClean="0"/>
+              <a:t>Date of evidence submissions</a:t>
+            </a:r>
+          </a:p>
+          <a:p>
+            <a:pPr>
+              <a:buFont typeface="Wingdings" charset="2"/>
+              <a:buChar char="Ø"/>
+            </a:pPr>
+            <a:r>
+              <a:rPr lang="en-US" sz="2800" dirty="0" smtClean="0"/>
+              <a:t>Closure date of claims</a:t>
+            </a:r>
+          </a:p>
+          <a:p>
+            <a:pPr>
+              <a:buFont typeface="Wingdings" charset="2"/>
+              <a:buChar char="Ø"/>
+            </a:pPr>
+            <a:r>
+              <a:rPr lang="en-US" sz="2800" dirty="0"/>
+              <a:t>Closure date of </a:t>
+            </a:r>
+            <a:r>
+              <a:rPr lang="en-US" sz="2800" dirty="0" smtClean="0"/>
+              <a:t>items</a:t>
+            </a:r>
+          </a:p>
+          <a:p>
+            <a:pPr>
+              <a:buFont typeface="Wingdings" charset="2"/>
+              <a:buChar char="Ø"/>
+            </a:pPr>
+            <a:r>
+              <a:rPr lang="en-US" sz="2800" dirty="0" smtClean="0"/>
+              <a:t>Processed date of claims</a:t>
+            </a:r>
+            <a:endParaRPr lang="en-US" sz="2800" dirty="0"/>
+          </a:p>
+          <a:p>
+            <a:pPr>
+              <a:buFont typeface="Wingdings" charset="2"/>
+              <a:buChar char="Ø"/>
+            </a:pPr>
+            <a:endParaRPr lang="en-US" dirty="0"/>
+          </a:p>
+        </p:txBody>
+      </p:sp>
+    </p:spTree>
+    <p:extLst>
+      <p:ext uri="{BB962C8B-B14F-4D97-AF65-F5344CB8AC3E}">
+        <p14:creationId xmlns:p14="http://schemas.microsoft.com/office/powerpoint/2010/main" val="132336000"/>
+      </p:ext>
+    </p:extLst>
+  </p:cSld>
+  <p:clrMapOvr>
+    <a:masterClrMapping/>
+  </p:clrMapOvr>
+</p:sld>
+</file>
+
+<file path=ppt/slides/slide6.xml><?xml version="1.0" encoding="utf-8"?>
+<p:sld xmlns:a="http://schemas.openxmlformats.org/drawingml/2006/main" xmlns:r="http://schemas.openxmlformats.org/officeDocument/2006/relationships" xmlns:p="http://schemas.openxmlformats.org/presentationml/2006/main">
+  <p:cSld>
+    <p:spTree>
+      <p:nvGrpSpPr>
+        <p:cNvPr id="1" name=""/>
+        <p:cNvGrpSpPr/>
+        <p:nvPr/>
+      </p:nvGrpSpPr>
+      <p:grpSpPr>
+        <a:xfrm>
+          <a:off x="0" y="0"/>
+          <a:ext cx="0" cy="0"/>
+          <a:chOff x="0" y="0"/>
+          <a:chExt cx="0" cy="0"/>
+        </a:xfrm>
+      </p:grpSpPr>
+      <p:sp>
+        <p:nvSpPr>
+          <p:cNvPr id="2" name="Title 1"/>
+          <p:cNvSpPr>
+            <a:spLocks noGrp="1"/>
+          </p:cNvSpPr>
+          <p:nvPr>
+            <p:ph type="title"/>
+          </p:nvPr>
+        </p:nvSpPr>
+        <p:spPr/>
+        <p:txBody>
+          <a:bodyPr>
+            <a:normAutofit/>
+          </a:bodyPr>
+          <a:lstStyle/>
+          <a:p>
+            <a:pPr lvl="0"/>
+            <a:r>
+              <a:rPr lang="en-US" dirty="0"/>
+              <a:t>2</a:t>
+            </a:r>
+            <a:r>
+              <a:rPr lang="en-US" dirty="0" smtClean="0"/>
+              <a:t>. Functionality (user stories)</a:t>
+            </a:r>
+            <a:endParaRPr lang="en-US" dirty="0"/>
+          </a:p>
+        </p:txBody>
+      </p:sp>
+      <p:sp>
+        <p:nvSpPr>
+          <p:cNvPr id="3" name="Content Placeholder 2"/>
+          <p:cNvSpPr>
+            <a:spLocks noGrp="1"/>
+          </p:cNvSpPr>
+          <p:nvPr>
+            <p:ph idx="1"/>
+          </p:nvPr>
+        </p:nvSpPr>
+        <p:spPr>
+          <a:xfrm>
+            <a:off x="1097280" y="1737359"/>
+            <a:ext cx="10058400" cy="4470009"/>
+          </a:xfrm>
+        </p:spPr>
+        <p:txBody>
+          <a:bodyPr>
+            <a:normAutofit fontScale="77500" lnSpcReduction="20000"/>
+          </a:bodyPr>
+          <a:lstStyle/>
+          <a:p>
+            <a:pPr>
+              <a:buFont typeface="Wingdings" charset="2"/>
+              <a:buChar char="Ø"/>
+            </a:pPr>
+            <a:endParaRPr lang="en-US" sz="800" b="1" dirty="0" smtClean="0"/>
+          </a:p>
+          <a:p>
+            <a:pPr>
+              <a:buFont typeface="Wingdings" charset="2"/>
+              <a:buChar char="Ø"/>
+            </a:pPr>
+            <a:r>
+              <a:rPr lang="en-US" b="1" dirty="0" smtClean="0"/>
+              <a:t>User:</a:t>
+            </a:r>
+          </a:p>
+          <a:p>
+            <a:pPr lvl="1"/>
+            <a:r>
+              <a:rPr lang="en-US" sz="2600" dirty="0" smtClean="0">
+                <a:solidFill>
+                  <a:schemeClr val="tx1"/>
+                </a:solidFill>
+              </a:rPr>
+              <a:t>As a user, I want to login/logout the system</a:t>
+            </a:r>
+          </a:p>
+          <a:p>
+            <a:pPr lvl="1"/>
+            <a:r>
+              <a:rPr lang="en-US" sz="2600" dirty="0" smtClean="0">
+                <a:solidFill>
+                  <a:schemeClr val="tx1"/>
+                </a:solidFill>
+              </a:rPr>
+              <a:t>As a user, I want to access website online</a:t>
+            </a:r>
+            <a:endParaRPr lang="en-US" sz="2600" b="1" dirty="0" smtClean="0"/>
+          </a:p>
+          <a:p>
+            <a:pPr>
+              <a:buFont typeface="Wingdings" charset="2"/>
+              <a:buChar char="Ø"/>
+            </a:pPr>
+            <a:r>
+              <a:rPr lang="en-US" b="1" dirty="0" smtClean="0"/>
+              <a:t>Admin:</a:t>
+            </a:r>
+          </a:p>
+          <a:p>
+            <a:pPr lvl="1"/>
+            <a:r>
+              <a:rPr lang="en-US" sz="2400" dirty="0">
+                <a:solidFill>
+                  <a:schemeClr val="tx1"/>
+                </a:solidFill>
+              </a:rPr>
+              <a:t>As an administrator, I want to manage account of Users</a:t>
+            </a:r>
+          </a:p>
+          <a:p>
+            <a:pPr lvl="1"/>
+            <a:r>
+              <a:rPr lang="en-US" sz="2400" dirty="0">
+                <a:solidFill>
+                  <a:schemeClr val="tx1"/>
+                </a:solidFill>
+              </a:rPr>
+              <a:t>As an administrator, I want to manage system </a:t>
+            </a:r>
+            <a:r>
+              <a:rPr lang="en-US" sz="2400" dirty="0" smtClean="0">
+                <a:solidFill>
+                  <a:schemeClr val="tx1"/>
+                </a:solidFill>
+              </a:rPr>
+              <a:t>data</a:t>
+            </a:r>
+          </a:p>
+          <a:p>
+            <a:pPr lvl="1"/>
+            <a:r>
+              <a:rPr lang="en-US" sz="2400" dirty="0" smtClean="0">
+                <a:solidFill>
+                  <a:schemeClr val="tx1"/>
+                </a:solidFill>
+              </a:rPr>
+              <a:t>As </a:t>
+            </a:r>
+            <a:r>
+              <a:rPr lang="en-US" sz="2400" dirty="0">
+                <a:solidFill>
+                  <a:schemeClr val="tx1"/>
+                </a:solidFill>
+              </a:rPr>
+              <a:t>an administrator, I want to add more situation options (sick, injury, etc</a:t>
+            </a:r>
+            <a:r>
+              <a:rPr lang="en-US" sz="2400" dirty="0" smtClean="0">
+                <a:solidFill>
+                  <a:schemeClr val="tx1"/>
+                </a:solidFill>
+              </a:rPr>
+              <a:t>.) as </a:t>
+            </a:r>
+            <a:endParaRPr lang="en-US" sz="2400" dirty="0">
+              <a:solidFill>
+                <a:schemeClr val="tx1"/>
+              </a:solidFill>
+            </a:endParaRPr>
+          </a:p>
+          <a:p>
+            <a:pPr lvl="1"/>
+            <a:r>
+              <a:rPr lang="en-US" sz="2400" dirty="0">
+                <a:solidFill>
+                  <a:schemeClr val="tx1"/>
+                </a:solidFill>
+              </a:rPr>
+              <a:t>As an administrator, I can view all claims in the system for each years</a:t>
+            </a:r>
+          </a:p>
+          <a:p>
+            <a:pPr lvl="1"/>
+            <a:r>
+              <a:rPr lang="en-US" sz="2400" dirty="0">
+                <a:solidFill>
+                  <a:schemeClr val="tx1"/>
+                </a:solidFill>
+              </a:rPr>
+              <a:t>As an administrator, I want to view items of assessment</a:t>
+            </a:r>
+          </a:p>
+          <a:p>
+            <a:pPr lvl="1"/>
+            <a:r>
+              <a:rPr lang="en-US" sz="2400" dirty="0">
+                <a:solidFill>
+                  <a:schemeClr val="tx1"/>
+                </a:solidFill>
+              </a:rPr>
+              <a:t>As an administrator, I want to set up closure date of claim</a:t>
+            </a:r>
+          </a:p>
+          <a:p>
+            <a:pPr>
+              <a:buFont typeface="Wingdings" charset="2"/>
+              <a:buChar char="Ø"/>
+            </a:pPr>
+            <a:r>
+              <a:rPr lang="en-US" b="1" dirty="0" smtClean="0"/>
+              <a:t>Manager:</a:t>
+            </a:r>
+            <a:endParaRPr lang="en-US" b="1" dirty="0"/>
+          </a:p>
+          <a:p>
+            <a:pPr lvl="1"/>
+            <a:r>
+              <a:rPr lang="en-US" sz="2400" dirty="0" smtClean="0">
+                <a:solidFill>
+                  <a:schemeClr val="tx1"/>
+                </a:solidFill>
+              </a:rPr>
+              <a:t>As </a:t>
+            </a:r>
+            <a:r>
+              <a:rPr lang="en-US" sz="2400" dirty="0">
+                <a:solidFill>
+                  <a:schemeClr val="tx1"/>
+                </a:solidFill>
+              </a:rPr>
+              <a:t>admin or manager, I want to see weekly report or customize the report details</a:t>
+            </a:r>
+          </a:p>
+          <a:p>
+            <a:pPr lvl="1"/>
+            <a:r>
+              <a:rPr lang="en-US" sz="2400" dirty="0">
+                <a:solidFill>
+                  <a:schemeClr val="tx1"/>
+                </a:solidFill>
+              </a:rPr>
+              <a:t>As an EC manager, I want to see all </a:t>
+            </a:r>
+            <a:r>
+              <a:rPr lang="en-US" sz="2400" dirty="0" smtClean="0">
+                <a:solidFill>
+                  <a:schemeClr val="tx1"/>
+                </a:solidFill>
+              </a:rPr>
+              <a:t>claims</a:t>
+            </a:r>
+            <a:endParaRPr lang="en-US" sz="2400" dirty="0">
+              <a:solidFill>
+                <a:schemeClr val="tx1"/>
+              </a:solidFill>
+            </a:endParaRPr>
+          </a:p>
+          <a:p>
+            <a:pPr lvl="1"/>
+            <a:r>
+              <a:rPr lang="en-US" sz="2400" dirty="0">
+                <a:solidFill>
+                  <a:schemeClr val="tx1"/>
+                </a:solidFill>
+              </a:rPr>
+              <a:t>As an EC Manager, I want to see claim Statistical Analysis </a:t>
+            </a:r>
+            <a:r>
+              <a:rPr lang="en-US" sz="2400" dirty="0" smtClean="0">
+                <a:solidFill>
+                  <a:schemeClr val="tx1"/>
+                </a:solidFill>
+              </a:rPr>
+              <a:t>(claims </a:t>
+            </a:r>
+            <a:r>
+              <a:rPr lang="en-US" sz="2400" dirty="0">
+                <a:solidFill>
+                  <a:schemeClr val="tx1"/>
+                </a:solidFill>
+              </a:rPr>
+              <a:t>per </a:t>
+            </a:r>
+            <a:r>
+              <a:rPr lang="en-US" sz="2400" dirty="0" smtClean="0">
+                <a:solidFill>
+                  <a:schemeClr val="tx1"/>
+                </a:solidFill>
+              </a:rPr>
+              <a:t>year, </a:t>
+            </a:r>
+            <a:r>
+              <a:rPr lang="en-US" sz="2400" dirty="0">
+                <a:solidFill>
+                  <a:schemeClr val="tx1"/>
+                </a:solidFill>
+              </a:rPr>
+              <a:t>per Faculty...)</a:t>
+            </a:r>
+          </a:p>
+          <a:p>
+            <a:pPr>
+              <a:buFont typeface="Wingdings" charset="2"/>
+              <a:buChar char="Ø"/>
+            </a:pPr>
+            <a:endParaRPr lang="en-US" dirty="0"/>
+          </a:p>
+        </p:txBody>
+      </p:sp>
+    </p:spTree>
+    <p:extLst>
+      <p:ext uri="{BB962C8B-B14F-4D97-AF65-F5344CB8AC3E}">
+        <p14:creationId xmlns:p14="http://schemas.microsoft.com/office/powerpoint/2010/main" val="649688009"/>
+      </p:ext>
+    </p:extLst>
+  </p:cSld>
+  <p:clrMapOvr>
+    <a:masterClrMapping/>
+  </p:clrMapOvr>
+  <p:timing>
+    <p:tnLst>
+      <p:par>
+        <p:cTn id="1" dur="indefinite" restart="never" nodeType="tmRoot"/>
+      </p:par>
+    </p:tnLst>
+  </p:timing>
+</p:sld>
+</file>
+
+<file path=ppt/slides/slide60.xml><?xml version="1.0" encoding="utf-8"?>
+<p:sld xmlns:a="http://schemas.openxmlformats.org/drawingml/2006/main" xmlns:r="http://schemas.openxmlformats.org/officeDocument/2006/relationships" xmlns:p="http://schemas.openxmlformats.org/presentationml/2006/main">
+  <p:cSld>
+    <p:spTree>
+      <p:nvGrpSpPr>
+        <p:cNvPr id="1" name=""/>
+        <p:cNvGrpSpPr/>
+        <p:nvPr/>
+      </p:nvGrpSpPr>
+      <p:grpSpPr>
+        <a:xfrm>
+          <a:off x="0" y="0"/>
+          <a:ext cx="0" cy="0"/>
+          <a:chOff x="0" y="0"/>
+          <a:chExt cx="0" cy="0"/>
+        </a:xfrm>
+      </p:grpSpPr>
+      <p:sp>
+        <p:nvSpPr>
+          <p:cNvPr id="2" name="Title 1"/>
+          <p:cNvSpPr>
+            <a:spLocks noGrp="1"/>
+          </p:cNvSpPr>
+          <p:nvPr>
+            <p:ph type="title"/>
+          </p:nvPr>
+        </p:nvSpPr>
+        <p:spPr/>
+        <p:txBody>
+          <a:bodyPr/>
+          <a:lstStyle/>
+          <a:p>
+            <a:r>
+              <a:rPr lang="en-US" dirty="0" smtClean="0"/>
+              <a:t>Demo 4: authorization</a:t>
+            </a:r>
+            <a:endParaRPr lang="en-US" dirty="0"/>
+          </a:p>
+        </p:txBody>
+      </p:sp>
+      <p:sp>
+        <p:nvSpPr>
+          <p:cNvPr id="3" name="Content Placeholder 2"/>
+          <p:cNvSpPr>
+            <a:spLocks noGrp="1"/>
+          </p:cNvSpPr>
+          <p:nvPr>
+            <p:ph idx="1"/>
+          </p:nvPr>
+        </p:nvSpPr>
+        <p:spPr/>
+        <p:txBody>
+          <a:bodyPr/>
+          <a:lstStyle/>
+          <a:p>
+            <a:pPr>
+              <a:buFont typeface="Wingdings" charset="2"/>
+              <a:buChar char="Ø"/>
+            </a:pPr>
+            <a:r>
+              <a:rPr lang="en-US" sz="2800" dirty="0" smtClean="0"/>
+              <a:t>List all system roles or authorities</a:t>
+            </a:r>
+          </a:p>
+          <a:p>
+            <a:pPr>
+              <a:buFont typeface="Wingdings" charset="2"/>
+              <a:buChar char="Ø"/>
+            </a:pPr>
+            <a:r>
+              <a:rPr lang="en-US" sz="2800" dirty="0" smtClean="0"/>
+              <a:t>Authorized areas of each role</a:t>
+            </a:r>
+          </a:p>
+          <a:p>
+            <a:pPr>
+              <a:buFont typeface="Wingdings" charset="2"/>
+              <a:buChar char="Ø"/>
+            </a:pPr>
+            <a:r>
+              <a:rPr lang="en-US" sz="2800" dirty="0" smtClean="0"/>
+              <a:t>Reponses unauthorized messages</a:t>
+            </a:r>
+          </a:p>
+          <a:p>
+            <a:pPr>
+              <a:buFont typeface="Wingdings" charset="2"/>
+              <a:buChar char="Ø"/>
+            </a:pPr>
+            <a:r>
+              <a:rPr lang="en-US" sz="2800" dirty="0"/>
+              <a:t>Reponses </a:t>
+            </a:r>
+            <a:r>
+              <a:rPr lang="en-US" sz="2800" dirty="0" smtClean="0"/>
+              <a:t>not found messages</a:t>
+            </a:r>
+            <a:endParaRPr lang="en-US" sz="2800" dirty="0"/>
+          </a:p>
+          <a:p>
+            <a:pPr>
+              <a:buFont typeface="Wingdings" charset="2"/>
+              <a:buChar char="Ø"/>
+            </a:pPr>
+            <a:endParaRPr lang="en-US" dirty="0"/>
+          </a:p>
+        </p:txBody>
+      </p:sp>
+    </p:spTree>
+    <p:extLst>
+      <p:ext uri="{BB962C8B-B14F-4D97-AF65-F5344CB8AC3E}">
+        <p14:creationId xmlns:p14="http://schemas.microsoft.com/office/powerpoint/2010/main" val="1495225163"/>
+      </p:ext>
+    </p:extLst>
+  </p:cSld>
+  <p:clrMapOvr>
+    <a:masterClrMapping/>
+  </p:clrMapOvr>
+</p:sld>
+</file>
+
+<file path=ppt/slides/slide61.xml><?xml version="1.0" encoding="utf-8"?>
+<p:sld xmlns:a="http://schemas.openxmlformats.org/drawingml/2006/main" xmlns:r="http://schemas.openxmlformats.org/officeDocument/2006/relationships" xmlns:p="http://schemas.openxmlformats.org/presentationml/2006/main">
+  <p:cSld>
+    <p:spTree>
+      <p:nvGrpSpPr>
+        <p:cNvPr id="1" name=""/>
+        <p:cNvGrpSpPr/>
+        <p:nvPr/>
+      </p:nvGrpSpPr>
+      <p:grpSpPr>
+        <a:xfrm>
+          <a:off x="0" y="0"/>
+          <a:ext cx="0" cy="0"/>
+          <a:chOff x="0" y="0"/>
+          <a:chExt cx="0" cy="0"/>
+        </a:xfrm>
+      </p:grpSpPr>
+      <p:sp>
+        <p:nvSpPr>
+          <p:cNvPr id="2" name="Title 1"/>
+          <p:cNvSpPr>
+            <a:spLocks noGrp="1"/>
+          </p:cNvSpPr>
+          <p:nvPr>
+            <p:ph type="title"/>
+          </p:nvPr>
+        </p:nvSpPr>
+        <p:spPr/>
+        <p:txBody>
+          <a:bodyPr/>
+          <a:lstStyle/>
+          <a:p>
+            <a:r>
+              <a:rPr lang="en-US" dirty="0" smtClean="0"/>
               <a:t>Demo 5: system reports </a:t>
             </a:r>
             <a:endParaRPr lang="en-US" dirty="0"/>
@@ -12641,7 +13631,7 @@
 </p:sld>
 </file>
 
-<file path=ppt/slides/slide59.xml><?xml version="1.0" encoding="utf-8"?>
+<file path=ppt/slides/slide62.xml><?xml version="1.0" encoding="utf-8"?>
 <p:sld xmlns:a="http://schemas.openxmlformats.org/drawingml/2006/main" xmlns:r="http://schemas.openxmlformats.org/officeDocument/2006/relationships" xmlns:p="http://schemas.openxmlformats.org/presentationml/2006/main">
   <p:cSld>
     <p:spTree>
@@ -12758,345 +13748,6 @@
     <p:extLst>
       <p:ext uri="{BB962C8B-B14F-4D97-AF65-F5344CB8AC3E}">
         <p14:creationId xmlns:p14="http://schemas.microsoft.com/office/powerpoint/2010/main" val="401412654"/>
-      </p:ext>
-    </p:extLst>
-  </p:cSld>
-  <p:clrMapOvr>
-    <a:masterClrMapping/>
-  </p:clrMapOvr>
-  <p:timing>
-    <p:tnLst>
-      <p:par>
-        <p:cTn id="1" dur="indefinite" restart="never" nodeType="tmRoot"/>
-      </p:par>
-    </p:tnLst>
-  </p:timing>
-</p:sld>
-</file>
-
-<file path=ppt/slides/slide6.xml><?xml version="1.0" encoding="utf-8"?>
-<p:sld xmlns:a="http://schemas.openxmlformats.org/drawingml/2006/main" xmlns:r="http://schemas.openxmlformats.org/officeDocument/2006/relationships" xmlns:p="http://schemas.openxmlformats.org/presentationml/2006/main">
-  <p:cSld>
-    <p:spTree>
-      <p:nvGrpSpPr>
-        <p:cNvPr id="1" name=""/>
-        <p:cNvGrpSpPr/>
-        <p:nvPr/>
-      </p:nvGrpSpPr>
-      <p:grpSpPr>
-        <a:xfrm>
-          <a:off x="0" y="0"/>
-          <a:ext cx="0" cy="0"/>
-          <a:chOff x="0" y="0"/>
-          <a:chExt cx="0" cy="0"/>
-        </a:xfrm>
-      </p:grpSpPr>
-      <p:sp>
-        <p:nvSpPr>
-          <p:cNvPr id="2" name="Title 1"/>
-          <p:cNvSpPr>
-            <a:spLocks noGrp="1"/>
-          </p:cNvSpPr>
-          <p:nvPr>
-            <p:ph type="title"/>
-          </p:nvPr>
-        </p:nvSpPr>
-        <p:spPr/>
-        <p:txBody>
-          <a:bodyPr>
-            <a:normAutofit/>
-          </a:bodyPr>
-          <a:lstStyle/>
-          <a:p>
-            <a:pPr lvl="0"/>
-            <a:r>
-              <a:rPr lang="en-US" dirty="0"/>
-              <a:t>2</a:t>
-            </a:r>
-            <a:r>
-              <a:rPr lang="en-US" dirty="0" smtClean="0"/>
-              <a:t>. Functionality (user stories)</a:t>
-            </a:r>
-            <a:endParaRPr lang="en-US" dirty="0"/>
-          </a:p>
-        </p:txBody>
-      </p:sp>
-      <p:sp>
-        <p:nvSpPr>
-          <p:cNvPr id="3" name="Content Placeholder 2"/>
-          <p:cNvSpPr>
-            <a:spLocks noGrp="1"/>
-          </p:cNvSpPr>
-          <p:nvPr>
-            <p:ph idx="1"/>
-          </p:nvPr>
-        </p:nvSpPr>
-        <p:spPr>
-          <a:xfrm>
-            <a:off x="1097280" y="1737359"/>
-            <a:ext cx="10058400" cy="4470009"/>
-          </a:xfrm>
-        </p:spPr>
-        <p:txBody>
-          <a:bodyPr>
-            <a:normAutofit fontScale="77500" lnSpcReduction="20000"/>
-          </a:bodyPr>
-          <a:lstStyle/>
-          <a:p>
-            <a:pPr>
-              <a:buFont typeface="Wingdings" charset="2"/>
-              <a:buChar char="Ø"/>
-            </a:pPr>
-            <a:endParaRPr lang="en-US" sz="800" b="1" dirty="0" smtClean="0"/>
-          </a:p>
-          <a:p>
-            <a:pPr>
-              <a:buFont typeface="Wingdings" charset="2"/>
-              <a:buChar char="Ø"/>
-            </a:pPr>
-            <a:r>
-              <a:rPr lang="en-US" b="1" dirty="0" smtClean="0"/>
-              <a:t>User:</a:t>
-            </a:r>
-          </a:p>
-          <a:p>
-            <a:pPr lvl="1"/>
-            <a:r>
-              <a:rPr lang="en-US" sz="2600" dirty="0" smtClean="0">
-                <a:solidFill>
-                  <a:schemeClr val="tx1"/>
-                </a:solidFill>
-              </a:rPr>
-              <a:t>As a user, I want to login/logout the system</a:t>
-            </a:r>
-          </a:p>
-          <a:p>
-            <a:pPr lvl="1"/>
-            <a:r>
-              <a:rPr lang="en-US" sz="2600" dirty="0" smtClean="0">
-                <a:solidFill>
-                  <a:schemeClr val="tx1"/>
-                </a:solidFill>
-              </a:rPr>
-              <a:t>As a user, I want to access website online</a:t>
-            </a:r>
-            <a:endParaRPr lang="en-US" sz="2600" b="1" dirty="0" smtClean="0"/>
-          </a:p>
-          <a:p>
-            <a:pPr>
-              <a:buFont typeface="Wingdings" charset="2"/>
-              <a:buChar char="Ø"/>
-            </a:pPr>
-            <a:r>
-              <a:rPr lang="en-US" b="1" dirty="0" smtClean="0"/>
-              <a:t>Admin:</a:t>
-            </a:r>
-          </a:p>
-          <a:p>
-            <a:pPr lvl="1"/>
-            <a:r>
-              <a:rPr lang="en-US" sz="2400" dirty="0">
-                <a:solidFill>
-                  <a:schemeClr val="tx1"/>
-                </a:solidFill>
-              </a:rPr>
-              <a:t>As an administrator, I want to manage account of Users</a:t>
-            </a:r>
-          </a:p>
-          <a:p>
-            <a:pPr lvl="1"/>
-            <a:r>
-              <a:rPr lang="en-US" sz="2400" dirty="0">
-                <a:solidFill>
-                  <a:schemeClr val="tx1"/>
-                </a:solidFill>
-              </a:rPr>
-              <a:t>As an administrator, I want to manage system </a:t>
-            </a:r>
-            <a:r>
-              <a:rPr lang="en-US" sz="2400" dirty="0" smtClean="0">
-                <a:solidFill>
-                  <a:schemeClr val="tx1"/>
-                </a:solidFill>
-              </a:rPr>
-              <a:t>data</a:t>
-            </a:r>
-          </a:p>
-          <a:p>
-            <a:pPr lvl="1"/>
-            <a:r>
-              <a:rPr lang="en-US" sz="2400" dirty="0" smtClean="0">
-                <a:solidFill>
-                  <a:schemeClr val="tx1"/>
-                </a:solidFill>
-              </a:rPr>
-              <a:t>As </a:t>
-            </a:r>
-            <a:r>
-              <a:rPr lang="en-US" sz="2400" dirty="0">
-                <a:solidFill>
-                  <a:schemeClr val="tx1"/>
-                </a:solidFill>
-              </a:rPr>
-              <a:t>an administrator, I want to add more situation options (sick, injury, etc</a:t>
-            </a:r>
-            <a:r>
-              <a:rPr lang="en-US" sz="2400" dirty="0" smtClean="0">
-                <a:solidFill>
-                  <a:schemeClr val="tx1"/>
-                </a:solidFill>
-              </a:rPr>
-              <a:t>.) as </a:t>
-            </a:r>
-            <a:endParaRPr lang="en-US" sz="2400" dirty="0">
-              <a:solidFill>
-                <a:schemeClr val="tx1"/>
-              </a:solidFill>
-            </a:endParaRPr>
-          </a:p>
-          <a:p>
-            <a:pPr lvl="1"/>
-            <a:r>
-              <a:rPr lang="en-US" sz="2400" dirty="0">
-                <a:solidFill>
-                  <a:schemeClr val="tx1"/>
-                </a:solidFill>
-              </a:rPr>
-              <a:t>As an administrator, I can view all claims in the system for each years</a:t>
-            </a:r>
-          </a:p>
-          <a:p>
-            <a:pPr lvl="1"/>
-            <a:r>
-              <a:rPr lang="en-US" sz="2400" dirty="0">
-                <a:solidFill>
-                  <a:schemeClr val="tx1"/>
-                </a:solidFill>
-              </a:rPr>
-              <a:t>As an administrator, I want to view items of assessment</a:t>
-            </a:r>
-          </a:p>
-          <a:p>
-            <a:pPr lvl="1"/>
-            <a:r>
-              <a:rPr lang="en-US" sz="2400" dirty="0">
-                <a:solidFill>
-                  <a:schemeClr val="tx1"/>
-                </a:solidFill>
-              </a:rPr>
-              <a:t>As an administrator, I want to set up closure date of claim</a:t>
-            </a:r>
-          </a:p>
-          <a:p>
-            <a:pPr>
-              <a:buFont typeface="Wingdings" charset="2"/>
-              <a:buChar char="Ø"/>
-            </a:pPr>
-            <a:r>
-              <a:rPr lang="en-US" b="1" dirty="0" smtClean="0"/>
-              <a:t>Manager:</a:t>
-            </a:r>
-            <a:endParaRPr lang="en-US" b="1" dirty="0"/>
-          </a:p>
-          <a:p>
-            <a:pPr lvl="1"/>
-            <a:r>
-              <a:rPr lang="en-US" sz="2400" dirty="0" smtClean="0">
-                <a:solidFill>
-                  <a:schemeClr val="tx1"/>
-                </a:solidFill>
-              </a:rPr>
-              <a:t>As </a:t>
-            </a:r>
-            <a:r>
-              <a:rPr lang="en-US" sz="2400" dirty="0">
-                <a:solidFill>
-                  <a:schemeClr val="tx1"/>
-                </a:solidFill>
-              </a:rPr>
-              <a:t>admin or manager, I want to see weekly report or customize the report details</a:t>
-            </a:r>
-          </a:p>
-          <a:p>
-            <a:pPr lvl="1"/>
-            <a:r>
-              <a:rPr lang="en-US" sz="2400" dirty="0">
-                <a:solidFill>
-                  <a:schemeClr val="tx1"/>
-                </a:solidFill>
-              </a:rPr>
-              <a:t>As an EC manager, I want to see all </a:t>
-            </a:r>
-            <a:r>
-              <a:rPr lang="en-US" sz="2400" dirty="0" smtClean="0">
-                <a:solidFill>
-                  <a:schemeClr val="tx1"/>
-                </a:solidFill>
-              </a:rPr>
-              <a:t>claims</a:t>
-            </a:r>
-            <a:endParaRPr lang="en-US" sz="2400" dirty="0">
-              <a:solidFill>
-                <a:schemeClr val="tx1"/>
-              </a:solidFill>
-            </a:endParaRPr>
-          </a:p>
-          <a:p>
-            <a:pPr lvl="1"/>
-            <a:r>
-              <a:rPr lang="en-US" sz="2400" dirty="0">
-                <a:solidFill>
-                  <a:schemeClr val="tx1"/>
-                </a:solidFill>
-              </a:rPr>
-              <a:t>As an EC Manager, I want to see claim Statistical Analysis </a:t>
-            </a:r>
-            <a:r>
-              <a:rPr lang="en-US" sz="2400" dirty="0" smtClean="0">
-                <a:solidFill>
-                  <a:schemeClr val="tx1"/>
-                </a:solidFill>
-              </a:rPr>
-              <a:t>(claims </a:t>
-            </a:r>
-            <a:r>
-              <a:rPr lang="en-US" sz="2400" dirty="0">
-                <a:solidFill>
-                  <a:schemeClr val="tx1"/>
-                </a:solidFill>
-              </a:rPr>
-              <a:t>per </a:t>
-            </a:r>
-            <a:r>
-              <a:rPr lang="en-US" sz="2400" dirty="0" smtClean="0">
-                <a:solidFill>
-                  <a:schemeClr val="tx1"/>
-                </a:solidFill>
-              </a:rPr>
-              <a:t>year, </a:t>
-            </a:r>
-            <a:r>
-              <a:rPr lang="en-US" sz="2400" dirty="0">
-                <a:solidFill>
-                  <a:schemeClr val="tx1"/>
-                </a:solidFill>
-              </a:rPr>
-              <a:t>per Faculty...)</a:t>
-            </a:r>
-          </a:p>
-          <a:p>
-            <a:pPr>
-              <a:buFont typeface="Wingdings" charset="2"/>
-              <a:buChar char="Ø"/>
-            </a:pPr>
-            <a:endParaRPr lang="en-US" dirty="0"/>
-          </a:p>
-        </p:txBody>
-      </p:sp>
-    </p:spTree>
-    <p:extLst>
-      <p:ext uri="{BB962C8B-B14F-4D97-AF65-F5344CB8AC3E}">
-        <p14:creationId xmlns:p14="http://schemas.microsoft.com/office/powerpoint/2010/main" val="649688009"/>
       </p:ext>
     </p:extLst>
   </p:cSld>

--- a/documents/Presentation.pptx
+++ b/documents/Presentation.pptx
@@ -13715,13 +13715,13 @@
           </a:p>
           <a:p>
             <a:pPr algn="ctr"/>
-            <a:endParaRPr lang="en-US" sz="2800" dirty="0" smtClean="0"/>
-          </a:p>
-          <a:p>
-            <a:pPr algn="ctr"/>
             <a:r>
               <a:rPr lang="en-US" sz="2800" dirty="0" smtClean="0"/>
-              <a:t>Screencast: </a:t>
+              <a:t>Screencast</a:t>
+            </a:r>
+            <a:r>
+              <a:rPr lang="en-US" sz="2800" dirty="0" smtClean="0"/>
+              <a:t>: </a:t>
             </a:r>
             <a:r>
               <a:rPr lang="en-US" sz="2800" dirty="0">
@@ -13740,6 +13740,32 @@
           </a:p>
           <a:p>
             <a:pPr algn="ctr"/>
+            <a:r>
+              <a:rPr lang="en-US" sz="2800" dirty="0">
+                <a:hlinkClick r:id="rId4"/>
+              </a:rPr>
+              <a:t>Version control</a:t>
+            </a:r>
+            <a:endParaRPr lang="en-US" sz="2800" dirty="0"/>
+          </a:p>
+          <a:p>
+            <a:pPr algn="ctr"/>
+            <a:r>
+              <a:rPr lang="en-US" sz="2800" dirty="0" smtClean="0">
+                <a:hlinkClick r:id="rId5"/>
+              </a:rPr>
+              <a:t>Daily meeting log</a:t>
+            </a:r>
+            <a:endParaRPr lang="en-US" sz="2800" dirty="0" smtClean="0"/>
+          </a:p>
+          <a:p>
+            <a:pPr algn="ctr"/>
+            <a:r>
+              <a:rPr lang="en-US" sz="2800" dirty="0" smtClean="0">
+                <a:hlinkClick r:id="rId6"/>
+              </a:rPr>
+              <a:t>Scrum management tool</a:t>
+            </a:r>
             <a:endParaRPr lang="en-US" sz="2800" dirty="0"/>
           </a:p>
         </p:txBody>
